--- a/Fullstack_wstep.pptx
+++ b/Fullstack_wstep.pptx
@@ -13,8 +13,8 @@
     <p:sldId id="258" r:id="rId4"/>
     <p:sldId id="259" r:id="rId5"/>
     <p:sldId id="260" r:id="rId6"/>
-    <p:sldId id="261" r:id="rId7"/>
-    <p:sldId id="262" r:id="rId8"/>
+    <p:sldId id="262" r:id="rId7"/>
+    <p:sldId id="261" r:id="rId8"/>
   </p:sldIdLst>
   <p:sldSz cx="9144000" cy="5143500" type="screen16x9"/>
   <p:notesSz cx="6858000" cy="9144000"/>
@@ -765,8 +765,8 @@
         </p:nvSpPr>
         <p:spPr>
           <a:xfrm>
-            <a:off x="381300" y="685800"/>
-            <a:ext cx="6096075" cy="3429000"/>
+            <a:off x="381000" y="685800"/>
+            <a:ext cx="6096000" cy="3429000"/>
           </a:xfrm>
           <a:custGeom>
             <a:avLst/>
@@ -819,6 +819,521 @@
           </a:bodyPr>
           <a:lstStyle/>
           <a:p>
+            <a:r>
+              <a:rPr lang="pl-PL" sz="1100" b="1" i="0" u="sng" strike="noStrike" cap="none" dirty="0" err="1">
+                <a:solidFill>
+                  <a:srgbClr val="000000"/>
+                </a:solidFill>
+                <a:effectLst/>
+                <a:latin typeface="Arial"/>
+                <a:ea typeface="Arial"/>
+                <a:cs typeface="Arial"/>
+                <a:sym typeface="Arial"/>
+              </a:rPr>
+              <a:t>Fullstack</a:t>
+            </a:r>
+            <a:r>
+              <a:rPr lang="pl-PL" sz="1100" b="1" i="0" u="sng" strike="noStrike" cap="none" dirty="0">
+                <a:solidFill>
+                  <a:srgbClr val="000000"/>
+                </a:solidFill>
+                <a:effectLst/>
+                <a:latin typeface="Arial"/>
+                <a:ea typeface="Arial"/>
+                <a:cs typeface="Arial"/>
+                <a:sym typeface="Arial"/>
+              </a:rPr>
+              <a:t> – pierwsze zajęcia / zagadnienia</a:t>
+            </a:r>
+            <a:endParaRPr lang="en-PL" sz="1200" b="0" i="0" u="none" strike="noStrike" cap="none" dirty="0">
+              <a:solidFill>
+                <a:srgbClr val="000000"/>
+              </a:solidFill>
+              <a:effectLst/>
+              <a:latin typeface="Arial"/>
+              <a:ea typeface="Arial"/>
+              <a:cs typeface="Arial"/>
+              <a:sym typeface="Arial"/>
+            </a:endParaRPr>
+          </a:p>
+          <a:p>
+            <a:r>
+              <a:rPr lang="pl-PL" sz="1100" b="0" i="0" u="none" strike="noStrike" cap="none" dirty="0">
+                <a:solidFill>
+                  <a:srgbClr val="000000"/>
+                </a:solidFill>
+                <a:effectLst/>
+                <a:latin typeface="Arial"/>
+                <a:ea typeface="Arial"/>
+                <a:cs typeface="Arial"/>
+                <a:sym typeface="Arial"/>
+              </a:rPr>
+              <a:t> </a:t>
+            </a:r>
+            <a:endParaRPr lang="en-PL" sz="1200" b="0" i="0" u="none" strike="noStrike" cap="none" dirty="0">
+              <a:solidFill>
+                <a:srgbClr val="000000"/>
+              </a:solidFill>
+              <a:effectLst/>
+              <a:latin typeface="Arial"/>
+              <a:ea typeface="Arial"/>
+              <a:cs typeface="Arial"/>
+              <a:sym typeface="Arial"/>
+            </a:endParaRPr>
+          </a:p>
+          <a:p>
+            <a:r>
+              <a:rPr lang="pl-PL" sz="1100" b="0" i="0" u="none" strike="noStrike" cap="none" dirty="0">
+                <a:solidFill>
+                  <a:srgbClr val="000000"/>
+                </a:solidFill>
+                <a:effectLst/>
+                <a:latin typeface="Arial"/>
+                <a:ea typeface="Arial"/>
+                <a:cs typeface="Arial"/>
+                <a:sym typeface="Arial"/>
+              </a:rPr>
+              <a:t> </a:t>
+            </a:r>
+            <a:endParaRPr lang="en-PL" sz="1600" b="0" i="0" u="none" strike="noStrike" cap="none" dirty="0">
+              <a:solidFill>
+                <a:srgbClr val="000000"/>
+              </a:solidFill>
+              <a:effectLst/>
+              <a:latin typeface="Arial"/>
+              <a:ea typeface="Arial"/>
+              <a:cs typeface="Arial"/>
+              <a:sym typeface="Arial"/>
+            </a:endParaRPr>
+          </a:p>
+          <a:p>
+            <a:r>
+              <a:rPr lang="pl-PL" sz="1100" b="0" i="0" u="sng" strike="noStrike" cap="none" dirty="0">
+                <a:solidFill>
+                  <a:srgbClr val="000000"/>
+                </a:solidFill>
+                <a:effectLst/>
+                <a:latin typeface="Arial"/>
+                <a:ea typeface="Arial"/>
+                <a:cs typeface="Arial"/>
+                <a:sym typeface="Arial"/>
+              </a:rPr>
+              <a:t>Układ zajęć:</a:t>
+            </a:r>
+            <a:endParaRPr lang="en-PL" sz="1600" b="0" i="0" u="none" strike="noStrike" cap="none" dirty="0">
+              <a:solidFill>
+                <a:srgbClr val="000000"/>
+              </a:solidFill>
+              <a:effectLst/>
+              <a:latin typeface="Arial"/>
+              <a:ea typeface="Arial"/>
+              <a:cs typeface="Arial"/>
+              <a:sym typeface="Arial"/>
+            </a:endParaRPr>
+          </a:p>
+          <a:p>
+            <a:r>
+              <a:rPr lang="pl-PL" sz="1100" b="0" i="0" u="none" strike="noStrike" cap="none" dirty="0">
+                <a:solidFill>
+                  <a:srgbClr val="000000"/>
+                </a:solidFill>
+                <a:effectLst/>
+                <a:latin typeface="Arial"/>
+                <a:ea typeface="Arial"/>
+                <a:cs typeface="Arial"/>
+                <a:sym typeface="Arial"/>
+              </a:rPr>
+              <a:t> </a:t>
+            </a:r>
+            <a:endParaRPr lang="en-PL" sz="1600" b="0" i="0" u="none" strike="noStrike" cap="none" dirty="0">
+              <a:solidFill>
+                <a:srgbClr val="000000"/>
+              </a:solidFill>
+              <a:effectLst/>
+              <a:latin typeface="Arial"/>
+              <a:ea typeface="Arial"/>
+              <a:cs typeface="Arial"/>
+              <a:sym typeface="Arial"/>
+            </a:endParaRPr>
+          </a:p>
+          <a:p>
+            <a:pPr lvl="0"/>
+            <a:r>
+              <a:rPr lang="pl-PL" sz="1100" b="1" i="0" u="none" strike="noStrike" cap="none" dirty="0">
+                <a:solidFill>
+                  <a:srgbClr val="000000"/>
+                </a:solidFill>
+                <a:effectLst/>
+                <a:latin typeface="Arial"/>
+                <a:ea typeface="Arial"/>
+                <a:cs typeface="Arial"/>
+                <a:sym typeface="Arial"/>
+              </a:rPr>
+              <a:t>Powitanie</a:t>
+            </a:r>
+            <a:r>
+              <a:rPr lang="pl-PL" sz="1100" b="0" i="0" u="none" strike="noStrike" cap="none" dirty="0">
+                <a:solidFill>
+                  <a:srgbClr val="000000"/>
+                </a:solidFill>
+                <a:effectLst/>
+                <a:latin typeface="Arial"/>
+                <a:ea typeface="Arial"/>
+                <a:cs typeface="Arial"/>
+                <a:sym typeface="Arial"/>
+              </a:rPr>
+              <a:t>:</a:t>
+            </a:r>
+            <a:endParaRPr lang="en-PL" sz="1800" b="0" i="0" u="none" strike="noStrike" cap="none" dirty="0">
+              <a:solidFill>
+                <a:srgbClr val="000000"/>
+              </a:solidFill>
+              <a:effectLst/>
+              <a:latin typeface="Arial"/>
+              <a:ea typeface="Arial"/>
+              <a:cs typeface="Arial"/>
+              <a:sym typeface="Arial"/>
+            </a:endParaRPr>
+          </a:p>
+          <a:p>
+            <a:pPr lvl="1"/>
+            <a:r>
+              <a:rPr lang="pl-PL" sz="1100" b="0" i="0" u="none" strike="noStrike" cap="none" dirty="0">
+                <a:solidFill>
+                  <a:srgbClr val="000000"/>
+                </a:solidFill>
+                <a:effectLst/>
+                <a:latin typeface="Arial"/>
+                <a:ea typeface="Arial"/>
+                <a:cs typeface="Arial"/>
+                <a:sym typeface="Arial"/>
+              </a:rPr>
+              <a:t>info – „fajnie, że jesteście”;</a:t>
+            </a:r>
+            <a:endParaRPr lang="en-PL" sz="1800" b="0" i="0" u="none" strike="noStrike" cap="none" dirty="0">
+              <a:solidFill>
+                <a:srgbClr val="000000"/>
+              </a:solidFill>
+              <a:effectLst/>
+              <a:latin typeface="Arial"/>
+              <a:ea typeface="Arial"/>
+              <a:cs typeface="Arial"/>
+              <a:sym typeface="Arial"/>
+            </a:endParaRPr>
+          </a:p>
+          <a:p>
+            <a:pPr lvl="1"/>
+            <a:r>
+              <a:rPr lang="pl-PL" sz="1100" b="0" i="0" u="none" strike="noStrike" cap="none" dirty="0">
+                <a:solidFill>
+                  <a:srgbClr val="000000"/>
+                </a:solidFill>
+                <a:effectLst/>
+                <a:latin typeface="Arial"/>
+                <a:ea typeface="Arial"/>
+                <a:cs typeface="Arial"/>
+                <a:sym typeface="Arial"/>
+              </a:rPr>
+              <a:t>przedstawienie się (</a:t>
+            </a:r>
+            <a:r>
+              <a:rPr lang="pl-PL" sz="1100" b="0" i="1" u="none" strike="noStrike" cap="none" dirty="0">
+                <a:solidFill>
+                  <a:srgbClr val="000000"/>
+                </a:solidFill>
+                <a:effectLst/>
+                <a:latin typeface="Arial"/>
+                <a:ea typeface="Arial"/>
+                <a:cs typeface="Arial"/>
+                <a:sym typeface="Arial"/>
+              </a:rPr>
+              <a:t>nazywam się tak i tak i będę miał z Wam dwa pierwsze zajęcia i potem moduł z </a:t>
+            </a:r>
+            <a:r>
+              <a:rPr lang="pl-PL" sz="1100" b="0" i="1" u="none" strike="noStrike" cap="none" dirty="0" err="1">
+                <a:solidFill>
+                  <a:srgbClr val="000000"/>
+                </a:solidFill>
+                <a:effectLst/>
+                <a:latin typeface="Arial"/>
+                <a:ea typeface="Arial"/>
+                <a:cs typeface="Arial"/>
+                <a:sym typeface="Arial"/>
+              </a:rPr>
+              <a:t>pythonem</a:t>
+            </a:r>
+            <a:r>
+              <a:rPr lang="pl-PL" sz="1100" b="0" i="1" u="none" strike="noStrike" cap="none" dirty="0">
+                <a:solidFill>
+                  <a:srgbClr val="000000"/>
+                </a:solidFill>
+                <a:effectLst/>
+                <a:latin typeface="Arial"/>
+                <a:ea typeface="Arial"/>
+                <a:cs typeface="Arial"/>
+                <a:sym typeface="Arial"/>
+              </a:rPr>
+              <a:t>, ale o harmonogramie kursu jeszcze poopowiadam za chwilę</a:t>
+            </a:r>
+            <a:r>
+              <a:rPr lang="pl-PL" sz="1100" b="0" i="0" u="none" strike="noStrike" cap="none" dirty="0">
+                <a:solidFill>
+                  <a:srgbClr val="000000"/>
+                </a:solidFill>
+                <a:effectLst/>
+                <a:latin typeface="Arial"/>
+                <a:ea typeface="Arial"/>
+                <a:cs typeface="Arial"/>
+                <a:sym typeface="Arial"/>
+              </a:rPr>
+              <a:t>);</a:t>
+            </a:r>
+            <a:endParaRPr lang="en-PL" sz="1800" b="0" i="0" u="none" strike="noStrike" cap="none" dirty="0">
+              <a:solidFill>
+                <a:srgbClr val="000000"/>
+              </a:solidFill>
+              <a:effectLst/>
+              <a:latin typeface="Arial"/>
+              <a:ea typeface="Arial"/>
+              <a:cs typeface="Arial"/>
+              <a:sym typeface="Arial"/>
+            </a:endParaRPr>
+          </a:p>
+          <a:p>
+            <a:pPr lvl="1"/>
+            <a:r>
+              <a:rPr lang="pl-PL" sz="1100" b="0" i="0" u="none" strike="noStrike" cap="none" dirty="0">
+                <a:solidFill>
+                  <a:srgbClr val="000000"/>
+                </a:solidFill>
+                <a:effectLst/>
+                <a:latin typeface="Arial"/>
+                <a:ea typeface="Arial"/>
+                <a:cs typeface="Arial"/>
+                <a:sym typeface="Arial"/>
+              </a:rPr>
+              <a:t>czy udało się robić </a:t>
+            </a:r>
+            <a:r>
+              <a:rPr lang="pl-PL" sz="1100" b="0" i="0" u="none" strike="noStrike" cap="none" dirty="0" err="1">
+                <a:solidFill>
+                  <a:srgbClr val="000000"/>
+                </a:solidFill>
+                <a:effectLst/>
+                <a:latin typeface="Arial"/>
+                <a:ea typeface="Arial"/>
+                <a:cs typeface="Arial"/>
+                <a:sym typeface="Arial"/>
+              </a:rPr>
+              <a:t>prework</a:t>
+            </a:r>
+            <a:r>
+              <a:rPr lang="pl-PL" sz="1100" b="0" i="0" u="none" strike="noStrike" cap="none" dirty="0">
+                <a:solidFill>
+                  <a:srgbClr val="000000"/>
+                </a:solidFill>
+                <a:effectLst/>
+                <a:latin typeface="Arial"/>
+                <a:ea typeface="Arial"/>
+                <a:cs typeface="Arial"/>
+                <a:sym typeface="Arial"/>
+              </a:rPr>
+              <a:t> i zainstalować </a:t>
+            </a:r>
+            <a:r>
+              <a:rPr lang="pl-PL" sz="1100" b="0" i="0" u="none" strike="noStrike" cap="none" dirty="0" err="1">
+                <a:solidFill>
+                  <a:srgbClr val="000000"/>
+                </a:solidFill>
+                <a:effectLst/>
+                <a:latin typeface="Arial"/>
+                <a:ea typeface="Arial"/>
+                <a:cs typeface="Arial"/>
+                <a:sym typeface="Arial"/>
+              </a:rPr>
+              <a:t>VMkę</a:t>
+            </a:r>
+            <a:r>
+              <a:rPr lang="pl-PL" sz="1100" b="0" i="0" u="none" strike="noStrike" cap="none" dirty="0">
+                <a:solidFill>
+                  <a:srgbClr val="000000"/>
+                </a:solidFill>
+                <a:effectLst/>
+                <a:latin typeface="Arial"/>
+                <a:ea typeface="Arial"/>
+                <a:cs typeface="Arial"/>
+                <a:sym typeface="Arial"/>
+              </a:rPr>
+              <a:t>, czy były jakieś problemy(?);</a:t>
+            </a:r>
+            <a:endParaRPr lang="en-PL" sz="1800" b="0" i="0" u="none" strike="noStrike" cap="none" dirty="0">
+              <a:solidFill>
+                <a:srgbClr val="000000"/>
+              </a:solidFill>
+              <a:effectLst/>
+              <a:latin typeface="Arial"/>
+              <a:ea typeface="Arial"/>
+              <a:cs typeface="Arial"/>
+              <a:sym typeface="Arial"/>
+            </a:endParaRPr>
+          </a:p>
+          <a:p>
+            <a:pPr lvl="1"/>
+            <a:r>
+              <a:rPr lang="pl-PL" sz="1100" b="0" i="0" u="none" strike="noStrike" cap="none" dirty="0">
+                <a:solidFill>
+                  <a:srgbClr val="000000"/>
+                </a:solidFill>
+                <a:effectLst/>
+                <a:latin typeface="Arial"/>
+                <a:ea typeface="Arial"/>
+                <a:cs typeface="Arial"/>
+                <a:sym typeface="Arial"/>
+              </a:rPr>
+              <a:t>jeśli były jakieś problemy (np. komuś wyskakuje błąd) -&gt; po wstępie odnośnie zajęć zrobimy sobie chwilową przerwę, żeby nie trzymać całej grupy i postaram się pomóc, a o ten czas przedłużymy sobie dzisiejsze zajęcia lub sobotnie; </a:t>
+            </a:r>
+            <a:endParaRPr lang="en-PL" sz="1800" b="0" i="0" u="none" strike="noStrike" cap="none" dirty="0">
+              <a:solidFill>
+                <a:srgbClr val="000000"/>
+              </a:solidFill>
+              <a:effectLst/>
+              <a:latin typeface="Arial"/>
+              <a:ea typeface="Arial"/>
+              <a:cs typeface="Arial"/>
+              <a:sym typeface="Arial"/>
+            </a:endParaRPr>
+          </a:p>
+          <a:p>
+            <a:pPr lvl="0"/>
+            <a:r>
+              <a:rPr lang="pl-PL" sz="1100" b="1" i="0" u="none" strike="noStrike" cap="none" dirty="0">
+                <a:solidFill>
+                  <a:srgbClr val="000000"/>
+                </a:solidFill>
+                <a:effectLst/>
+                <a:latin typeface="Arial"/>
+                <a:ea typeface="Arial"/>
+                <a:cs typeface="Arial"/>
+                <a:sym typeface="Arial"/>
+              </a:rPr>
+              <a:t>Wstęp do kursu (prezentacja)</a:t>
+            </a:r>
+            <a:endParaRPr lang="en-PL" sz="1800" b="0" i="0" u="none" strike="noStrike" cap="none" dirty="0">
+              <a:solidFill>
+                <a:srgbClr val="000000"/>
+              </a:solidFill>
+              <a:effectLst/>
+              <a:latin typeface="Arial"/>
+              <a:ea typeface="Arial"/>
+              <a:cs typeface="Arial"/>
+              <a:sym typeface="Arial"/>
+            </a:endParaRPr>
+          </a:p>
+          <a:p>
+            <a:pPr lvl="0"/>
+            <a:r>
+              <a:rPr lang="pl-PL" sz="1100" b="1" i="0" u="none" strike="noStrike" cap="none" dirty="0">
+                <a:solidFill>
+                  <a:srgbClr val="000000"/>
+                </a:solidFill>
+                <a:effectLst/>
+                <a:latin typeface="Arial"/>
+                <a:ea typeface="Arial"/>
+                <a:cs typeface="Arial"/>
+                <a:sym typeface="Arial"/>
+              </a:rPr>
+              <a:t>Ew. przerwa – pomoc z </a:t>
+            </a:r>
+            <a:r>
+              <a:rPr lang="pl-PL" sz="1100" b="1" i="0" u="none" strike="noStrike" cap="none" dirty="0" err="1">
+                <a:solidFill>
+                  <a:srgbClr val="000000"/>
+                </a:solidFill>
+                <a:effectLst/>
+                <a:latin typeface="Arial"/>
+                <a:ea typeface="Arial"/>
+                <a:cs typeface="Arial"/>
+                <a:sym typeface="Arial"/>
+              </a:rPr>
+              <a:t>preworkiem</a:t>
+            </a:r>
+            <a:r>
+              <a:rPr lang="pl-PL" sz="1100" b="1" i="0" u="none" strike="noStrike" cap="none" dirty="0">
+                <a:solidFill>
+                  <a:srgbClr val="000000"/>
+                </a:solidFill>
+                <a:effectLst/>
+                <a:latin typeface="Arial"/>
+                <a:ea typeface="Arial"/>
+                <a:cs typeface="Arial"/>
+                <a:sym typeface="Arial"/>
+              </a:rPr>
+              <a:t>, gdyby były problemy;</a:t>
+            </a:r>
+            <a:endParaRPr lang="en-PL" sz="1800" b="0" i="0" u="none" strike="noStrike" cap="none" dirty="0">
+              <a:solidFill>
+                <a:srgbClr val="000000"/>
+              </a:solidFill>
+              <a:effectLst/>
+              <a:latin typeface="Arial"/>
+              <a:ea typeface="Arial"/>
+              <a:cs typeface="Arial"/>
+              <a:sym typeface="Arial"/>
+            </a:endParaRPr>
+          </a:p>
+          <a:p>
+            <a:pPr lvl="0"/>
+            <a:r>
+              <a:rPr lang="pl-PL" sz="1100" b="1" i="0" u="none" strike="noStrike" cap="none" dirty="0">
+                <a:solidFill>
+                  <a:srgbClr val="000000"/>
+                </a:solidFill>
+                <a:effectLst/>
+                <a:latin typeface="Arial"/>
+                <a:ea typeface="Arial"/>
+                <a:cs typeface="Arial"/>
+                <a:sym typeface="Arial"/>
+              </a:rPr>
+              <a:t>Zajęcia – </a:t>
+            </a:r>
+            <a:r>
+              <a:rPr lang="pl-PL" sz="1100" b="1" i="0" u="none" strike="noStrike" cap="none" dirty="0" err="1">
+                <a:solidFill>
+                  <a:srgbClr val="000000"/>
+                </a:solidFill>
+                <a:effectLst/>
+                <a:latin typeface="Arial"/>
+                <a:ea typeface="Arial"/>
+                <a:cs typeface="Arial"/>
+                <a:sym typeface="Arial"/>
+              </a:rPr>
+              <a:t>shell</a:t>
+            </a:r>
+            <a:r>
+              <a:rPr lang="pl-PL" sz="1100" b="1" i="0" u="none" strike="noStrike" cap="none" dirty="0">
+                <a:solidFill>
+                  <a:srgbClr val="000000"/>
+                </a:solidFill>
+                <a:effectLst/>
+                <a:latin typeface="Arial"/>
+                <a:ea typeface="Arial"/>
+                <a:cs typeface="Arial"/>
+                <a:sym typeface="Arial"/>
+              </a:rPr>
+              <a:t>/git;</a:t>
+            </a:r>
+            <a:endParaRPr lang="en-PL" sz="1800" b="0" i="0" u="none" strike="noStrike" cap="none" dirty="0">
+              <a:solidFill>
+                <a:srgbClr val="000000"/>
+              </a:solidFill>
+              <a:effectLst/>
+              <a:latin typeface="Arial"/>
+              <a:ea typeface="Arial"/>
+              <a:cs typeface="Arial"/>
+              <a:sym typeface="Arial"/>
+            </a:endParaRPr>
+          </a:p>
+          <a:p>
             <a:pPr marL="0" lvl="0" indent="0" algn="l" rtl="0">
               <a:spcBef>
                 <a:spcPts val="0"/>
@@ -828,7 +1343,7 @@
               </a:spcAft>
               <a:buNone/>
             </a:pPr>
-            <a:endParaRPr/>
+            <a:endParaRPr dirty="0"/>
           </a:p>
         </p:txBody>
       </p:sp>
@@ -923,6 +1438,325 @@
           </a:bodyPr>
           <a:lstStyle/>
           <a:p>
+            <a:r>
+              <a:rPr lang="pl-PL" sz="1100" b="0" i="0" u="none" strike="noStrike" cap="none" dirty="0">
+                <a:solidFill>
+                  <a:srgbClr val="000000"/>
+                </a:solidFill>
+                <a:effectLst/>
+                <a:latin typeface="Arial"/>
+                <a:ea typeface="Arial"/>
+                <a:cs typeface="Arial"/>
+                <a:sym typeface="Arial"/>
+              </a:rPr>
+              <a:t>góra lodowa</a:t>
+            </a:r>
+            <a:endParaRPr lang="en-PL" sz="1100" b="0" i="0" u="none" strike="noStrike" cap="none" dirty="0">
+              <a:solidFill>
+                <a:srgbClr val="000000"/>
+              </a:solidFill>
+              <a:effectLst/>
+              <a:latin typeface="Arial"/>
+              <a:ea typeface="Arial"/>
+              <a:cs typeface="Arial"/>
+              <a:sym typeface="Arial"/>
+            </a:endParaRPr>
+          </a:p>
+          <a:p>
+            <a:pPr lvl="0"/>
+            <a:r>
+              <a:rPr lang="pl-PL" sz="1100" b="1" i="0" u="none" strike="noStrike" cap="none" dirty="0">
+                <a:solidFill>
+                  <a:srgbClr val="000000"/>
+                </a:solidFill>
+                <a:effectLst/>
+                <a:latin typeface="Arial"/>
+                <a:ea typeface="Arial"/>
+                <a:cs typeface="Arial"/>
+                <a:sym typeface="Arial"/>
+              </a:rPr>
+              <a:t>czym się będziemy zajmować przez cały kurs</a:t>
+            </a:r>
+            <a:r>
+              <a:rPr lang="pl-PL" sz="1100" b="0" i="0" u="none" strike="noStrike" cap="none" dirty="0">
+                <a:solidFill>
+                  <a:srgbClr val="000000"/>
+                </a:solidFill>
+                <a:effectLst/>
+                <a:latin typeface="Arial"/>
+                <a:ea typeface="Arial"/>
+                <a:cs typeface="Arial"/>
+                <a:sym typeface="Arial"/>
+              </a:rPr>
+              <a:t> - czego się nauczycie:</a:t>
+            </a:r>
+            <a:endParaRPr lang="en-PL" sz="1100" b="0" i="0" u="none" strike="noStrike" cap="none" dirty="0">
+              <a:solidFill>
+                <a:srgbClr val="000000"/>
+              </a:solidFill>
+              <a:effectLst/>
+              <a:latin typeface="Arial"/>
+              <a:ea typeface="Arial"/>
+              <a:cs typeface="Arial"/>
+              <a:sym typeface="Arial"/>
+            </a:endParaRPr>
+          </a:p>
+          <a:p>
+            <a:r>
+              <a:rPr lang="pl-PL" sz="1100" b="0" i="0" u="none" strike="noStrike" cap="none" dirty="0">
+                <a:solidFill>
+                  <a:srgbClr val="000000"/>
+                </a:solidFill>
+                <a:effectLst/>
+                <a:latin typeface="Arial"/>
+                <a:ea typeface="Arial"/>
+                <a:cs typeface="Arial"/>
+                <a:sym typeface="Arial"/>
+              </a:rPr>
+              <a:t>- tworzenie profesjonalnych stron / aplikacji webowych;</a:t>
+            </a:r>
+            <a:endParaRPr lang="en-PL" sz="1100" b="0" i="0" u="none" strike="noStrike" cap="none" dirty="0">
+              <a:solidFill>
+                <a:srgbClr val="000000"/>
+              </a:solidFill>
+              <a:effectLst/>
+              <a:latin typeface="Arial"/>
+              <a:ea typeface="Arial"/>
+              <a:cs typeface="Arial"/>
+              <a:sym typeface="Arial"/>
+            </a:endParaRPr>
+          </a:p>
+          <a:p>
+            <a:r>
+              <a:rPr lang="pl-PL" sz="1100" b="0" i="0" u="none" strike="noStrike" cap="none" dirty="0">
+                <a:solidFill>
+                  <a:srgbClr val="000000"/>
+                </a:solidFill>
+                <a:effectLst/>
+                <a:latin typeface="Arial"/>
+                <a:ea typeface="Arial"/>
+                <a:cs typeface="Arial"/>
+                <a:sym typeface="Arial"/>
+              </a:rPr>
+              <a:t>- to jest kurs </a:t>
+            </a:r>
+            <a:r>
+              <a:rPr lang="pl-PL" sz="1100" b="0" i="0" u="none" strike="noStrike" cap="none" dirty="0" err="1">
+                <a:solidFill>
+                  <a:srgbClr val="000000"/>
+                </a:solidFill>
+                <a:effectLst/>
+                <a:latin typeface="Arial"/>
+                <a:ea typeface="Arial"/>
+                <a:cs typeface="Arial"/>
+                <a:sym typeface="Arial"/>
+              </a:rPr>
+              <a:t>fullstackowy</a:t>
+            </a:r>
+            <a:r>
+              <a:rPr lang="pl-PL" sz="1100" b="0" i="0" u="none" strike="noStrike" cap="none" dirty="0">
+                <a:solidFill>
+                  <a:srgbClr val="000000"/>
+                </a:solidFill>
+                <a:effectLst/>
+                <a:latin typeface="Arial"/>
+                <a:ea typeface="Arial"/>
+                <a:cs typeface="Arial"/>
+                <a:sym typeface="Arial"/>
+              </a:rPr>
+              <a:t>, więc nauczymy się i front i </a:t>
+            </a:r>
+            <a:r>
+              <a:rPr lang="pl-PL" sz="1100" b="0" i="0" u="none" strike="noStrike" cap="none" dirty="0" err="1">
+                <a:solidFill>
+                  <a:srgbClr val="000000"/>
+                </a:solidFill>
+                <a:effectLst/>
+                <a:latin typeface="Arial"/>
+                <a:ea typeface="Arial"/>
+                <a:cs typeface="Arial"/>
+                <a:sym typeface="Arial"/>
+              </a:rPr>
+              <a:t>backendu</a:t>
+            </a:r>
+            <a:r>
+              <a:rPr lang="pl-PL" sz="1100" b="0" i="0" u="none" strike="noStrike" cap="none" dirty="0">
+                <a:solidFill>
+                  <a:srgbClr val="000000"/>
+                </a:solidFill>
+                <a:effectLst/>
+                <a:latin typeface="Arial"/>
+                <a:ea typeface="Arial"/>
+                <a:cs typeface="Arial"/>
+                <a:sym typeface="Arial"/>
+              </a:rPr>
+              <a:t> -&gt; często za małym widocznym kawałkiem idzie cała logika i bebechy aplikacji;</a:t>
+            </a:r>
+            <a:endParaRPr lang="en-PL" sz="1100" b="0" i="0" u="none" strike="noStrike" cap="none" dirty="0">
+              <a:solidFill>
+                <a:srgbClr val="000000"/>
+              </a:solidFill>
+              <a:effectLst/>
+              <a:latin typeface="Arial"/>
+              <a:ea typeface="Arial"/>
+              <a:cs typeface="Arial"/>
+              <a:sym typeface="Arial"/>
+            </a:endParaRPr>
+          </a:p>
+          <a:p>
+            <a:r>
+              <a:rPr lang="pl-PL" sz="1100" b="0" i="0" u="none" strike="noStrike" cap="none" dirty="0">
+                <a:solidFill>
+                  <a:srgbClr val="000000"/>
+                </a:solidFill>
+                <a:effectLst/>
+                <a:latin typeface="Arial"/>
+                <a:ea typeface="Arial"/>
+                <a:cs typeface="Arial"/>
+                <a:sym typeface="Arial"/>
+              </a:rPr>
+              <a:t>- krótko: warstwa widoczna od strony użytkownika + bebechy</a:t>
+            </a:r>
+            <a:endParaRPr lang="en-PL" sz="1100" b="0" i="0" u="none" strike="noStrike" cap="none" dirty="0">
+              <a:solidFill>
+                <a:srgbClr val="000000"/>
+              </a:solidFill>
+              <a:effectLst/>
+              <a:latin typeface="Arial"/>
+              <a:ea typeface="Arial"/>
+              <a:cs typeface="Arial"/>
+              <a:sym typeface="Arial"/>
+            </a:endParaRPr>
+          </a:p>
+          <a:p>
+            <a:r>
+              <a:rPr lang="pl-PL" sz="1100" b="0" i="0" u="none" strike="noStrike" cap="none" dirty="0">
+                <a:solidFill>
+                  <a:srgbClr val="000000"/>
+                </a:solidFill>
+                <a:effectLst/>
+                <a:latin typeface="Arial"/>
+                <a:ea typeface="Arial"/>
+                <a:cs typeface="Arial"/>
+                <a:sym typeface="Arial"/>
+              </a:rPr>
+              <a:t>- nawet pracując jako frontend / </a:t>
+            </a:r>
+            <a:r>
+              <a:rPr lang="pl-PL" sz="1100" b="0" i="0" u="none" strike="noStrike" cap="none" dirty="0" err="1">
+                <a:solidFill>
+                  <a:srgbClr val="000000"/>
+                </a:solidFill>
+                <a:effectLst/>
+                <a:latin typeface="Arial"/>
+                <a:ea typeface="Arial"/>
+                <a:cs typeface="Arial"/>
+                <a:sym typeface="Arial"/>
+              </a:rPr>
+              <a:t>backend</a:t>
+            </a:r>
+            <a:r>
+              <a:rPr lang="pl-PL" sz="1100" b="0" i="0" u="none" strike="noStrike" cap="none" dirty="0">
+                <a:solidFill>
+                  <a:srgbClr val="000000"/>
+                </a:solidFill>
+                <a:effectLst/>
+                <a:latin typeface="Arial"/>
+                <a:ea typeface="Arial"/>
+                <a:cs typeface="Arial"/>
+                <a:sym typeface="Arial"/>
+              </a:rPr>
+              <a:t> przydaje się wiedza z drugiej strony;</a:t>
+            </a:r>
+            <a:endParaRPr lang="en-PL" sz="1100" b="0" i="0" u="none" strike="noStrike" cap="none" dirty="0">
+              <a:solidFill>
+                <a:srgbClr val="000000"/>
+              </a:solidFill>
+              <a:effectLst/>
+              <a:latin typeface="Arial"/>
+              <a:ea typeface="Arial"/>
+              <a:cs typeface="Arial"/>
+              <a:sym typeface="Arial"/>
+            </a:endParaRPr>
+          </a:p>
+          <a:p>
+            <a:r>
+              <a:rPr lang="pl-PL" sz="1100" b="0" i="0" u="none" strike="noStrike" cap="none" dirty="0">
+                <a:solidFill>
+                  <a:srgbClr val="000000"/>
+                </a:solidFill>
+                <a:effectLst/>
+                <a:latin typeface="Arial"/>
+                <a:ea typeface="Arial"/>
+                <a:cs typeface="Arial"/>
+                <a:sym typeface="Arial"/>
+              </a:rPr>
+              <a:t>- na kursie będzie solidna nauka programowania + frameworki wykorzystywane na co dzień przy tworzeniu projektów (</a:t>
+            </a:r>
+            <a:r>
+              <a:rPr lang="pl-PL" sz="1100" b="0" i="0" u="none" strike="noStrike" cap="none" dirty="0" err="1">
+                <a:solidFill>
+                  <a:srgbClr val="000000"/>
+                </a:solidFill>
+                <a:effectLst/>
+                <a:latin typeface="Arial"/>
+                <a:ea typeface="Arial"/>
+                <a:cs typeface="Arial"/>
+                <a:sym typeface="Arial"/>
+              </a:rPr>
+              <a:t>Django</a:t>
+            </a:r>
+            <a:r>
+              <a:rPr lang="pl-PL" sz="1100" b="0" i="0" u="none" strike="noStrike" cap="none" dirty="0">
+                <a:solidFill>
+                  <a:srgbClr val="000000"/>
+                </a:solidFill>
+                <a:effectLst/>
+                <a:latin typeface="Arial"/>
+                <a:ea typeface="Arial"/>
+                <a:cs typeface="Arial"/>
+                <a:sym typeface="Arial"/>
+              </a:rPr>
+              <a:t> i </a:t>
+            </a:r>
+            <a:r>
+              <a:rPr lang="pl-PL" sz="1100" b="0" i="0" u="none" strike="noStrike" cap="none" dirty="0" err="1">
+                <a:solidFill>
+                  <a:srgbClr val="000000"/>
+                </a:solidFill>
+                <a:effectLst/>
+                <a:latin typeface="Arial"/>
+                <a:ea typeface="Arial"/>
+                <a:cs typeface="Arial"/>
+                <a:sym typeface="Arial"/>
+              </a:rPr>
+              <a:t>React</a:t>
+            </a:r>
+            <a:r>
+              <a:rPr lang="pl-PL" sz="1100" b="0" i="0" u="none" strike="noStrike" cap="none" dirty="0">
+                <a:solidFill>
+                  <a:srgbClr val="000000"/>
+                </a:solidFill>
+                <a:effectLst/>
+                <a:latin typeface="Arial"/>
+                <a:ea typeface="Arial"/>
+                <a:cs typeface="Arial"/>
+                <a:sym typeface="Arial"/>
+              </a:rPr>
+              <a:t>)</a:t>
+            </a:r>
+            <a:endParaRPr lang="en-PL" sz="1100" b="0" i="0" u="none" strike="noStrike" cap="none" dirty="0">
+              <a:solidFill>
+                <a:srgbClr val="000000"/>
+              </a:solidFill>
+              <a:effectLst/>
+              <a:latin typeface="Arial"/>
+              <a:ea typeface="Arial"/>
+              <a:cs typeface="Arial"/>
+              <a:sym typeface="Arial"/>
+            </a:endParaRPr>
+          </a:p>
+          <a:p>
             <a:pPr marL="0" lvl="0" indent="0" algn="l" rtl="0">
               <a:spcBef>
                 <a:spcPts val="0"/>
@@ -932,7 +1766,7 @@
               </a:spcAft>
               <a:buNone/>
             </a:pPr>
-            <a:endParaRPr/>
+            <a:endParaRPr dirty="0"/>
           </a:p>
         </p:txBody>
       </p:sp>
@@ -1027,6 +1861,623 @@
           </a:bodyPr>
           <a:lstStyle/>
           <a:p>
+            <a:r>
+              <a:rPr lang="pl-PL" sz="1100" b="0" i="0" u="none" strike="noStrike" cap="none" dirty="0">
+                <a:solidFill>
+                  <a:srgbClr val="000000"/>
+                </a:solidFill>
+                <a:effectLst/>
+                <a:latin typeface="Arial"/>
+                <a:ea typeface="Arial"/>
+                <a:cs typeface="Arial"/>
+                <a:sym typeface="Arial"/>
+              </a:rPr>
+              <a:t>wykres</a:t>
+            </a:r>
+            <a:endParaRPr lang="en-PL" sz="1100" b="0" i="0" u="none" strike="noStrike" cap="none" dirty="0">
+              <a:solidFill>
+                <a:srgbClr val="000000"/>
+              </a:solidFill>
+              <a:effectLst/>
+              <a:latin typeface="Arial"/>
+              <a:ea typeface="Arial"/>
+              <a:cs typeface="Arial"/>
+              <a:sym typeface="Arial"/>
+            </a:endParaRPr>
+          </a:p>
+          <a:p>
+            <a:pPr lvl="0"/>
+            <a:r>
+              <a:rPr lang="pl-PL" sz="1100" b="1" i="0" u="none" strike="noStrike" cap="none" dirty="0">
+                <a:solidFill>
+                  <a:srgbClr val="000000"/>
+                </a:solidFill>
+                <a:effectLst/>
+                <a:latin typeface="Arial"/>
+                <a:ea typeface="Arial"/>
+                <a:cs typeface="Arial"/>
+                <a:sym typeface="Arial"/>
+              </a:rPr>
+              <a:t>krótkie omówienie tematyki kursu</a:t>
+            </a:r>
+            <a:r>
+              <a:rPr lang="pl-PL" sz="1100" b="0" i="0" u="none" strike="noStrike" cap="none" dirty="0">
+                <a:solidFill>
+                  <a:srgbClr val="000000"/>
+                </a:solidFill>
+                <a:effectLst/>
+                <a:latin typeface="Arial"/>
+                <a:ea typeface="Arial"/>
+                <a:cs typeface="Arial"/>
+                <a:sym typeface="Arial"/>
+              </a:rPr>
+              <a:t>:</a:t>
+            </a:r>
+            <a:endParaRPr lang="en-PL" sz="1100" b="0" i="0" u="none" strike="noStrike" cap="none" dirty="0">
+              <a:solidFill>
+                <a:srgbClr val="000000"/>
+              </a:solidFill>
+              <a:effectLst/>
+              <a:latin typeface="Arial"/>
+              <a:ea typeface="Arial"/>
+              <a:cs typeface="Arial"/>
+              <a:sym typeface="Arial"/>
+            </a:endParaRPr>
+          </a:p>
+          <a:p>
+            <a:r>
+              <a:rPr lang="pl-PL" sz="1100" b="1" i="0" u="none" strike="noStrike" cap="none" dirty="0">
+                <a:solidFill>
+                  <a:srgbClr val="000000"/>
+                </a:solidFill>
+                <a:effectLst/>
+                <a:latin typeface="Arial"/>
+                <a:ea typeface="Arial"/>
+                <a:cs typeface="Arial"/>
+                <a:sym typeface="Arial"/>
+              </a:rPr>
+              <a:t>- kurs </a:t>
+            </a:r>
+            <a:r>
+              <a:rPr lang="pl-PL" sz="1100" b="1" i="0" u="none" strike="noStrike" cap="none" dirty="0" err="1">
+                <a:solidFill>
+                  <a:srgbClr val="000000"/>
+                </a:solidFill>
+                <a:effectLst/>
+                <a:latin typeface="Arial"/>
+                <a:ea typeface="Arial"/>
+                <a:cs typeface="Arial"/>
+                <a:sym typeface="Arial"/>
+              </a:rPr>
+              <a:t>fullstackowy</a:t>
+            </a:r>
+            <a:r>
+              <a:rPr lang="pl-PL" sz="1100" b="0" i="0" u="none" strike="noStrike" cap="none" dirty="0">
+                <a:solidFill>
+                  <a:srgbClr val="000000"/>
+                </a:solidFill>
+                <a:effectLst/>
+                <a:latin typeface="Arial"/>
+                <a:ea typeface="Arial"/>
+                <a:cs typeface="Arial"/>
+                <a:sym typeface="Arial"/>
+              </a:rPr>
+              <a:t>, więc zarówno front, jak i </a:t>
+            </a:r>
+            <a:r>
+              <a:rPr lang="pl-PL" sz="1100" b="0" i="0" u="none" strike="noStrike" cap="none" dirty="0" err="1">
+                <a:solidFill>
+                  <a:srgbClr val="000000"/>
+                </a:solidFill>
+                <a:effectLst/>
+                <a:latin typeface="Arial"/>
+                <a:ea typeface="Arial"/>
+                <a:cs typeface="Arial"/>
+                <a:sym typeface="Arial"/>
+              </a:rPr>
+              <a:t>backend</a:t>
+            </a:r>
+            <a:r>
+              <a:rPr lang="pl-PL" sz="1100" b="0" i="0" u="none" strike="noStrike" cap="none" dirty="0">
+                <a:solidFill>
+                  <a:srgbClr val="000000"/>
+                </a:solidFill>
+                <a:effectLst/>
+                <a:latin typeface="Arial"/>
+                <a:ea typeface="Arial"/>
+                <a:cs typeface="Arial"/>
+                <a:sym typeface="Arial"/>
+              </a:rPr>
+              <a:t>;</a:t>
+            </a:r>
+            <a:endParaRPr lang="en-PL" sz="1100" b="0" i="0" u="none" strike="noStrike" cap="none" dirty="0">
+              <a:solidFill>
+                <a:srgbClr val="000000"/>
+              </a:solidFill>
+              <a:effectLst/>
+              <a:latin typeface="Arial"/>
+              <a:ea typeface="Arial"/>
+              <a:cs typeface="Arial"/>
+              <a:sym typeface="Arial"/>
+            </a:endParaRPr>
+          </a:p>
+          <a:p>
+            <a:r>
+              <a:rPr lang="pl-PL" sz="1100" b="1" i="0" u="none" strike="noStrike" cap="none" dirty="0">
+                <a:solidFill>
+                  <a:srgbClr val="000000"/>
+                </a:solidFill>
+                <a:effectLst/>
+                <a:latin typeface="Arial"/>
+                <a:ea typeface="Arial"/>
+                <a:cs typeface="Arial"/>
+                <a:sym typeface="Arial"/>
+              </a:rPr>
+              <a:t>- zaczynamy od git/</a:t>
+            </a:r>
+            <a:r>
+              <a:rPr lang="pl-PL" sz="1100" b="1" i="0" u="none" strike="noStrike" cap="none" dirty="0" err="1">
+                <a:solidFill>
+                  <a:srgbClr val="000000"/>
+                </a:solidFill>
+                <a:effectLst/>
+                <a:latin typeface="Arial"/>
+                <a:ea typeface="Arial"/>
+                <a:cs typeface="Arial"/>
+                <a:sym typeface="Arial"/>
+              </a:rPr>
+              <a:t>shella</a:t>
+            </a:r>
+            <a:r>
+              <a:rPr lang="pl-PL" sz="1100" b="0" i="0" u="none" strike="noStrike" cap="none" dirty="0">
+                <a:solidFill>
+                  <a:srgbClr val="000000"/>
+                </a:solidFill>
+                <a:effectLst/>
+                <a:latin typeface="Arial"/>
+                <a:ea typeface="Arial"/>
+                <a:cs typeface="Arial"/>
+                <a:sym typeface="Arial"/>
+              </a:rPr>
+              <a:t>, na którym poznamy środowisko tekstowe, moduł jest jako pierwszy, żeby projekty na kolejnym module można już było przechowywać w repozytorium;</a:t>
+            </a:r>
+            <a:endParaRPr lang="en-PL" sz="1100" b="0" i="0" u="none" strike="noStrike" cap="none" dirty="0">
+              <a:solidFill>
+                <a:srgbClr val="000000"/>
+              </a:solidFill>
+              <a:effectLst/>
+              <a:latin typeface="Arial"/>
+              <a:ea typeface="Arial"/>
+              <a:cs typeface="Arial"/>
+              <a:sym typeface="Arial"/>
+            </a:endParaRPr>
+          </a:p>
+          <a:p>
+            <a:r>
+              <a:rPr lang="pl-PL" sz="1100" b="1" i="0" u="none" strike="noStrike" cap="none" dirty="0">
+                <a:solidFill>
+                  <a:srgbClr val="000000"/>
+                </a:solidFill>
+                <a:effectLst/>
+                <a:latin typeface="Arial"/>
+                <a:ea typeface="Arial"/>
+                <a:cs typeface="Arial"/>
+                <a:sym typeface="Arial"/>
+              </a:rPr>
+              <a:t>- potem web</a:t>
+            </a:r>
+            <a:r>
+              <a:rPr lang="pl-PL" sz="1100" b="0" i="0" u="none" strike="noStrike" cap="none" dirty="0">
+                <a:solidFill>
+                  <a:srgbClr val="000000"/>
+                </a:solidFill>
+                <a:effectLst/>
+                <a:latin typeface="Arial"/>
+                <a:ea typeface="Arial"/>
+                <a:cs typeface="Arial"/>
+                <a:sym typeface="Arial"/>
+              </a:rPr>
+              <a:t>, gdzie będzie mega dużo praktyki i pierwsze projekty w tym wykorzystamy przerwę </a:t>
+            </a:r>
+            <a:r>
+              <a:rPr lang="pl-PL" sz="1100" b="0" i="0" u="none" strike="noStrike" cap="none" dirty="0" err="1">
+                <a:solidFill>
+                  <a:srgbClr val="000000"/>
+                </a:solidFill>
+                <a:effectLst/>
+                <a:latin typeface="Arial"/>
+                <a:ea typeface="Arial"/>
+                <a:cs typeface="Arial"/>
+                <a:sym typeface="Arial"/>
+              </a:rPr>
+              <a:t>swiąteczną</a:t>
+            </a:r>
+            <a:r>
+              <a:rPr lang="pl-PL" sz="1100" b="0" i="0" u="none" strike="noStrike" cap="none" dirty="0">
+                <a:solidFill>
+                  <a:srgbClr val="000000"/>
+                </a:solidFill>
+                <a:effectLst/>
+                <a:latin typeface="Arial"/>
+                <a:ea typeface="Arial"/>
+                <a:cs typeface="Arial"/>
+                <a:sym typeface="Arial"/>
+              </a:rPr>
+              <a:t> na np. większy projekt (tematyka: HTML, CSS, SCSS, </a:t>
+            </a:r>
+            <a:r>
+              <a:rPr lang="pl-PL" sz="1100" b="0" i="0" u="none" strike="noStrike" cap="none" dirty="0" err="1">
+                <a:solidFill>
+                  <a:srgbClr val="000000"/>
+                </a:solidFill>
+                <a:effectLst/>
+                <a:latin typeface="Arial"/>
+                <a:ea typeface="Arial"/>
+                <a:cs typeface="Arial"/>
+                <a:sym typeface="Arial"/>
+              </a:rPr>
+              <a:t>bootstrap</a:t>
+            </a:r>
+            <a:r>
+              <a:rPr lang="pl-PL" sz="1100" b="0" i="0" u="none" strike="noStrike" cap="none" dirty="0">
+                <a:solidFill>
+                  <a:srgbClr val="000000"/>
+                </a:solidFill>
+                <a:effectLst/>
+                <a:latin typeface="Arial"/>
+                <a:ea typeface="Arial"/>
+                <a:cs typeface="Arial"/>
+                <a:sym typeface="Arial"/>
+              </a:rPr>
+              <a:t>, </a:t>
+            </a:r>
+            <a:r>
+              <a:rPr lang="pl-PL" sz="1100" b="0" i="0" u="none" strike="noStrike" cap="none" dirty="0" err="1">
+                <a:solidFill>
+                  <a:srgbClr val="000000"/>
+                </a:solidFill>
+                <a:effectLst/>
+                <a:latin typeface="Arial"/>
+                <a:ea typeface="Arial"/>
+                <a:cs typeface="Arial"/>
+                <a:sym typeface="Arial"/>
+              </a:rPr>
+              <a:t>api</a:t>
+            </a:r>
+            <a:r>
+              <a:rPr lang="pl-PL" sz="1100" b="0" i="0" u="none" strike="noStrike" cap="none" dirty="0">
+                <a:solidFill>
+                  <a:srgbClr val="000000"/>
+                </a:solidFill>
+                <a:effectLst/>
+                <a:latin typeface="Arial"/>
+                <a:ea typeface="Arial"/>
+                <a:cs typeface="Arial"/>
+                <a:sym typeface="Arial"/>
+              </a:rPr>
+              <a:t>, podstawy </a:t>
+            </a:r>
+            <a:r>
+              <a:rPr lang="pl-PL" sz="1100" b="0" i="0" u="none" strike="noStrike" cap="none" dirty="0" err="1">
+                <a:solidFill>
+                  <a:srgbClr val="000000"/>
+                </a:solidFill>
+                <a:effectLst/>
+                <a:latin typeface="Arial"/>
+                <a:ea typeface="Arial"/>
+                <a:cs typeface="Arial"/>
+                <a:sym typeface="Arial"/>
+              </a:rPr>
+              <a:t>javascript</a:t>
+            </a:r>
+            <a:r>
+              <a:rPr lang="pl-PL" sz="1100" b="0" i="0" u="none" strike="noStrike" cap="none" dirty="0">
+                <a:solidFill>
+                  <a:srgbClr val="000000"/>
+                </a:solidFill>
+                <a:effectLst/>
+                <a:latin typeface="Arial"/>
+                <a:ea typeface="Arial"/>
+                <a:cs typeface="Arial"/>
+                <a:sym typeface="Arial"/>
+              </a:rPr>
+              <a:t>);</a:t>
+            </a:r>
+            <a:endParaRPr lang="en-PL" sz="1100" b="0" i="0" u="none" strike="noStrike" cap="none" dirty="0">
+              <a:solidFill>
+                <a:srgbClr val="000000"/>
+              </a:solidFill>
+              <a:effectLst/>
+              <a:latin typeface="Arial"/>
+              <a:ea typeface="Arial"/>
+              <a:cs typeface="Arial"/>
+              <a:sym typeface="Arial"/>
+            </a:endParaRPr>
+          </a:p>
+          <a:p>
+            <a:r>
+              <a:rPr lang="pl-PL" sz="1100" b="1" i="0" u="none" strike="noStrike" cap="none" dirty="0">
+                <a:solidFill>
+                  <a:srgbClr val="000000"/>
+                </a:solidFill>
+                <a:effectLst/>
+                <a:latin typeface="Arial"/>
+                <a:ea typeface="Arial"/>
+                <a:cs typeface="Arial"/>
+                <a:sym typeface="Arial"/>
+              </a:rPr>
+              <a:t>- python</a:t>
+            </a:r>
+            <a:r>
+              <a:rPr lang="pl-PL" sz="1100" b="0" i="0" u="none" strike="noStrike" cap="none" dirty="0">
+                <a:solidFill>
+                  <a:srgbClr val="000000"/>
+                </a:solidFill>
+                <a:effectLst/>
+                <a:latin typeface="Arial"/>
+                <a:ea typeface="Arial"/>
+                <a:cs typeface="Arial"/>
+                <a:sym typeface="Arial"/>
+              </a:rPr>
+              <a:t> – solidna nauka programowania w </a:t>
+            </a:r>
+            <a:r>
+              <a:rPr lang="pl-PL" sz="1100" b="0" i="0" u="none" strike="noStrike" cap="none" dirty="0" err="1">
+                <a:solidFill>
+                  <a:srgbClr val="000000"/>
+                </a:solidFill>
+                <a:effectLst/>
+                <a:latin typeface="Arial"/>
+                <a:ea typeface="Arial"/>
+                <a:cs typeface="Arial"/>
+                <a:sym typeface="Arial"/>
+              </a:rPr>
+              <a:t>pythonie</a:t>
+            </a:r>
+            <a:r>
+              <a:rPr lang="pl-PL" sz="1100" b="0" i="0" u="none" strike="noStrike" cap="none" dirty="0">
+                <a:solidFill>
+                  <a:srgbClr val="000000"/>
+                </a:solidFill>
+                <a:effectLst/>
+                <a:latin typeface="Arial"/>
+                <a:ea typeface="Arial"/>
+                <a:cs typeface="Arial"/>
+                <a:sym typeface="Arial"/>
+              </a:rPr>
+              <a:t> i programowania obiektowego. Python przyda się i na </a:t>
+            </a:r>
+            <a:r>
+              <a:rPr lang="pl-PL" sz="1100" b="0" i="0" u="none" strike="noStrike" cap="none" dirty="0" err="1">
+                <a:solidFill>
+                  <a:srgbClr val="000000"/>
+                </a:solidFill>
+                <a:effectLst/>
+                <a:latin typeface="Arial"/>
+                <a:ea typeface="Arial"/>
+                <a:cs typeface="Arial"/>
+                <a:sym typeface="Arial"/>
+              </a:rPr>
+              <a:t>backendzie</a:t>
+            </a:r>
+            <a:r>
+              <a:rPr lang="pl-PL" sz="1100" b="0" i="0" u="none" strike="noStrike" cap="none" dirty="0">
+                <a:solidFill>
+                  <a:srgbClr val="000000"/>
+                </a:solidFill>
+                <a:effectLst/>
+                <a:latin typeface="Arial"/>
+                <a:ea typeface="Arial"/>
+                <a:cs typeface="Arial"/>
+                <a:sym typeface="Arial"/>
+              </a:rPr>
+              <a:t>, ale jest też przydatny np. przy data science, automatyzacji testów itd. Znajomość jednego języka programowania ułatwia również naukę kolejnych;</a:t>
+            </a:r>
+            <a:endParaRPr lang="en-PL" sz="1100" b="0" i="0" u="none" strike="noStrike" cap="none" dirty="0">
+              <a:solidFill>
+                <a:srgbClr val="000000"/>
+              </a:solidFill>
+              <a:effectLst/>
+              <a:latin typeface="Arial"/>
+              <a:ea typeface="Arial"/>
+              <a:cs typeface="Arial"/>
+              <a:sym typeface="Arial"/>
+            </a:endParaRPr>
+          </a:p>
+          <a:p>
+            <a:r>
+              <a:rPr lang="pl-PL" sz="1100" b="0" i="0" u="none" strike="noStrike" cap="none" dirty="0">
+                <a:solidFill>
+                  <a:srgbClr val="000000"/>
+                </a:solidFill>
+                <a:effectLst/>
+                <a:latin typeface="Arial"/>
+                <a:ea typeface="Arial"/>
+                <a:cs typeface="Arial"/>
+                <a:sym typeface="Arial"/>
+              </a:rPr>
+              <a:t>- </a:t>
+            </a:r>
+            <a:r>
+              <a:rPr lang="pl-PL" sz="1100" b="1" i="0" u="none" strike="noStrike" cap="none" dirty="0">
+                <a:solidFill>
+                  <a:srgbClr val="000000"/>
+                </a:solidFill>
+                <a:effectLst/>
+                <a:latin typeface="Arial"/>
+                <a:ea typeface="Arial"/>
+                <a:cs typeface="Arial"/>
+                <a:sym typeface="Arial"/>
+              </a:rPr>
+              <a:t>bazy danych i </a:t>
+            </a:r>
+            <a:r>
+              <a:rPr lang="pl-PL" sz="1100" b="1" i="0" u="none" strike="noStrike" cap="none" dirty="0" err="1">
+                <a:solidFill>
+                  <a:srgbClr val="000000"/>
+                </a:solidFill>
+                <a:effectLst/>
+                <a:latin typeface="Arial"/>
+                <a:ea typeface="Arial"/>
+                <a:cs typeface="Arial"/>
+                <a:sym typeface="Arial"/>
+              </a:rPr>
+              <a:t>sql</a:t>
+            </a:r>
+            <a:endParaRPr lang="en-PL" sz="1100" b="0" i="0" u="none" strike="noStrike" cap="none" dirty="0">
+              <a:solidFill>
+                <a:srgbClr val="000000"/>
+              </a:solidFill>
+              <a:effectLst/>
+              <a:latin typeface="Arial"/>
+              <a:ea typeface="Arial"/>
+              <a:cs typeface="Arial"/>
+              <a:sym typeface="Arial"/>
+            </a:endParaRPr>
+          </a:p>
+          <a:p>
+            <a:r>
+              <a:rPr lang="pl-PL" sz="1100" b="1" i="0" u="none" strike="noStrike" cap="none" dirty="0">
+                <a:solidFill>
+                  <a:srgbClr val="000000"/>
+                </a:solidFill>
+                <a:effectLst/>
+                <a:latin typeface="Arial"/>
+                <a:ea typeface="Arial"/>
+                <a:cs typeface="Arial"/>
+                <a:sym typeface="Arial"/>
+              </a:rPr>
+              <a:t>- </a:t>
+            </a:r>
+            <a:r>
+              <a:rPr lang="pl-PL" sz="1100" b="1" i="0" u="none" strike="noStrike" cap="none" dirty="0" err="1">
+                <a:solidFill>
+                  <a:srgbClr val="000000"/>
+                </a:solidFill>
+                <a:effectLst/>
+                <a:latin typeface="Arial"/>
+                <a:ea typeface="Arial"/>
+                <a:cs typeface="Arial"/>
+                <a:sym typeface="Arial"/>
+              </a:rPr>
+              <a:t>backend</a:t>
+            </a:r>
+            <a:r>
+              <a:rPr lang="pl-PL" sz="1100" b="1" i="0" u="none" strike="noStrike" cap="none" dirty="0">
+                <a:solidFill>
+                  <a:srgbClr val="000000"/>
+                </a:solidFill>
+                <a:effectLst/>
+                <a:latin typeface="Arial"/>
+                <a:ea typeface="Arial"/>
+                <a:cs typeface="Arial"/>
+                <a:sym typeface="Arial"/>
+              </a:rPr>
+              <a:t> (</a:t>
+            </a:r>
+            <a:r>
+              <a:rPr lang="pl-PL" sz="1100" b="1" i="0" u="none" strike="noStrike" cap="none" dirty="0" err="1">
+                <a:solidFill>
+                  <a:srgbClr val="000000"/>
+                </a:solidFill>
+                <a:effectLst/>
+                <a:latin typeface="Arial"/>
+                <a:ea typeface="Arial"/>
+                <a:cs typeface="Arial"/>
+                <a:sym typeface="Arial"/>
+              </a:rPr>
+              <a:t>Django</a:t>
+            </a:r>
+            <a:r>
+              <a:rPr lang="pl-PL" sz="1100" b="1" i="0" u="none" strike="noStrike" cap="none" dirty="0">
+                <a:solidFill>
+                  <a:srgbClr val="000000"/>
+                </a:solidFill>
+                <a:effectLst/>
+                <a:latin typeface="Arial"/>
+                <a:ea typeface="Arial"/>
+                <a:cs typeface="Arial"/>
+                <a:sym typeface="Arial"/>
+              </a:rPr>
+              <a:t>) i frontend (</a:t>
+            </a:r>
+            <a:r>
+              <a:rPr lang="pl-PL" sz="1100" b="1" i="0" u="none" strike="noStrike" cap="none" dirty="0" err="1">
+                <a:solidFill>
+                  <a:srgbClr val="000000"/>
+                </a:solidFill>
+                <a:effectLst/>
+                <a:latin typeface="Arial"/>
+                <a:ea typeface="Arial"/>
+                <a:cs typeface="Arial"/>
+                <a:sym typeface="Arial"/>
+              </a:rPr>
+              <a:t>React</a:t>
+            </a:r>
+            <a:r>
+              <a:rPr lang="pl-PL" sz="1100" b="1" i="0" u="none" strike="noStrike" cap="none" dirty="0">
+                <a:solidFill>
+                  <a:srgbClr val="000000"/>
+                </a:solidFill>
+                <a:effectLst/>
+                <a:latin typeface="Arial"/>
+                <a:ea typeface="Arial"/>
+                <a:cs typeface="Arial"/>
+                <a:sym typeface="Arial"/>
+              </a:rPr>
+              <a:t>) </a:t>
+            </a:r>
+            <a:r>
+              <a:rPr lang="pl-PL" sz="1100" b="0" i="0" u="none" strike="noStrike" cap="none" dirty="0">
+                <a:solidFill>
+                  <a:srgbClr val="000000"/>
+                </a:solidFill>
+                <a:effectLst/>
+                <a:latin typeface="Arial"/>
+                <a:ea typeface="Arial"/>
+                <a:cs typeface="Arial"/>
+                <a:sym typeface="Arial"/>
+              </a:rPr>
+              <a:t>– dwa moduł z </a:t>
+            </a:r>
+            <a:r>
+              <a:rPr lang="pl-PL" sz="1100" b="0" i="0" u="none" strike="noStrike" cap="none" dirty="0" err="1">
+                <a:solidFill>
+                  <a:srgbClr val="000000"/>
+                </a:solidFill>
+                <a:effectLst/>
+                <a:latin typeface="Arial"/>
+                <a:ea typeface="Arial"/>
+                <a:cs typeface="Arial"/>
+                <a:sym typeface="Arial"/>
+              </a:rPr>
+              <a:t>frameworkami</a:t>
+            </a:r>
+            <a:r>
+              <a:rPr lang="pl-PL" sz="1100" b="0" i="0" u="none" strike="noStrike" cap="none" dirty="0">
+                <a:solidFill>
+                  <a:srgbClr val="000000"/>
+                </a:solidFill>
+                <a:effectLst/>
+                <a:latin typeface="Arial"/>
+                <a:ea typeface="Arial"/>
+                <a:cs typeface="Arial"/>
+                <a:sym typeface="Arial"/>
+              </a:rPr>
+              <a:t>, gdzie wykorzystamy wcześniejszą i nową wiedzę do tworzenia realnych, większych projektów</a:t>
+            </a:r>
+            <a:endParaRPr lang="en-PL" sz="1100" b="0" i="0" u="none" strike="noStrike" cap="none" dirty="0">
+              <a:solidFill>
+                <a:srgbClr val="000000"/>
+              </a:solidFill>
+              <a:effectLst/>
+              <a:latin typeface="Arial"/>
+              <a:ea typeface="Arial"/>
+              <a:cs typeface="Arial"/>
+              <a:sym typeface="Arial"/>
+            </a:endParaRPr>
+          </a:p>
+          <a:p>
             <a:pPr marL="0" lvl="0" indent="0" algn="l" rtl="0">
               <a:spcBef>
                 <a:spcPts val="0"/>
@@ -1036,7 +2487,7 @@
               </a:spcAft>
               <a:buNone/>
             </a:pPr>
-            <a:endParaRPr/>
+            <a:endParaRPr dirty="0"/>
           </a:p>
         </p:txBody>
       </p:sp>
@@ -1131,6 +2582,170 @@
           </a:bodyPr>
           <a:lstStyle/>
           <a:p>
+            <a:r>
+              <a:rPr lang="pl-PL" sz="1100" b="0" i="0" u="none" strike="noStrike" cap="none" dirty="0">
+                <a:solidFill>
+                  <a:srgbClr val="000000"/>
+                </a:solidFill>
+                <a:effectLst/>
+                <a:latin typeface="Arial"/>
+                <a:ea typeface="Arial"/>
+                <a:cs typeface="Arial"/>
+                <a:sym typeface="Arial"/>
+              </a:rPr>
+              <a:t>harmonogram</a:t>
+            </a:r>
+            <a:endParaRPr lang="en-PL" sz="1100" b="0" i="0" u="none" strike="noStrike" cap="none" dirty="0">
+              <a:solidFill>
+                <a:srgbClr val="000000"/>
+              </a:solidFill>
+              <a:effectLst/>
+              <a:latin typeface="Arial"/>
+              <a:ea typeface="Arial"/>
+              <a:cs typeface="Arial"/>
+              <a:sym typeface="Arial"/>
+            </a:endParaRPr>
+          </a:p>
+          <a:p>
+            <a:r>
+              <a:rPr lang="pl-PL" sz="1100" b="0" i="0" u="none" strike="noStrike" cap="none" dirty="0">
+                <a:solidFill>
+                  <a:srgbClr val="000000"/>
+                </a:solidFill>
+                <a:effectLst/>
+                <a:latin typeface="Arial"/>
+                <a:ea typeface="Arial"/>
+                <a:cs typeface="Arial"/>
+                <a:sym typeface="Arial"/>
+              </a:rPr>
+              <a:t>zajęć</a:t>
+            </a:r>
+            <a:endParaRPr lang="en-PL" sz="1100" b="0" i="0" u="none" strike="noStrike" cap="none" dirty="0">
+              <a:solidFill>
+                <a:srgbClr val="000000"/>
+              </a:solidFill>
+              <a:effectLst/>
+              <a:latin typeface="Arial"/>
+              <a:ea typeface="Arial"/>
+              <a:cs typeface="Arial"/>
+              <a:sym typeface="Arial"/>
+            </a:endParaRPr>
+          </a:p>
+          <a:p>
+            <a:pPr lvl="0"/>
+            <a:r>
+              <a:rPr lang="pl-PL" sz="1100" b="1" i="0" u="none" strike="noStrike" cap="none" dirty="0">
+                <a:solidFill>
+                  <a:srgbClr val="000000"/>
+                </a:solidFill>
+                <a:effectLst/>
+                <a:latin typeface="Arial"/>
+                <a:ea typeface="Arial"/>
+                <a:cs typeface="Arial"/>
+                <a:sym typeface="Arial"/>
+              </a:rPr>
+              <a:t>krótkie omówienie harmonogramu</a:t>
+            </a:r>
+            <a:r>
+              <a:rPr lang="pl-PL" sz="1100" b="0" i="0" u="none" strike="noStrike" cap="none" dirty="0">
+                <a:solidFill>
+                  <a:srgbClr val="000000"/>
+                </a:solidFill>
+                <a:effectLst/>
+                <a:latin typeface="Arial"/>
+                <a:ea typeface="Arial"/>
+                <a:cs typeface="Arial"/>
+                <a:sym typeface="Arial"/>
+              </a:rPr>
+              <a:t>:</a:t>
+            </a:r>
+            <a:endParaRPr lang="en-PL" sz="1100" b="0" i="0" u="none" strike="noStrike" cap="none" dirty="0">
+              <a:solidFill>
+                <a:srgbClr val="000000"/>
+              </a:solidFill>
+              <a:effectLst/>
+              <a:latin typeface="Arial"/>
+              <a:ea typeface="Arial"/>
+              <a:cs typeface="Arial"/>
+              <a:sym typeface="Arial"/>
+            </a:endParaRPr>
+          </a:p>
+          <a:p>
+            <a:r>
+              <a:rPr lang="pl-PL" sz="1100" b="0" i="0" u="none" strike="noStrike" cap="none" dirty="0">
+                <a:solidFill>
+                  <a:srgbClr val="000000"/>
+                </a:solidFill>
+                <a:effectLst/>
+                <a:latin typeface="Arial"/>
+                <a:ea typeface="Arial"/>
+                <a:cs typeface="Arial"/>
+                <a:sym typeface="Arial"/>
+              </a:rPr>
+              <a:t>- zajęcia są we wtorki / czwartki / soboty</a:t>
+            </a:r>
+            <a:endParaRPr lang="en-PL" sz="1100" b="0" i="0" u="none" strike="noStrike" cap="none" dirty="0">
+              <a:solidFill>
+                <a:srgbClr val="000000"/>
+              </a:solidFill>
+              <a:effectLst/>
+              <a:latin typeface="Arial"/>
+              <a:ea typeface="Arial"/>
+              <a:cs typeface="Arial"/>
+              <a:sym typeface="Arial"/>
+            </a:endParaRPr>
+          </a:p>
+          <a:p>
+            <a:r>
+              <a:rPr lang="pl-PL" sz="1100" b="0" i="0" u="none" strike="noStrike" cap="none" dirty="0">
+                <a:solidFill>
+                  <a:srgbClr val="000000"/>
+                </a:solidFill>
+                <a:effectLst/>
+                <a:latin typeface="Arial"/>
+                <a:ea typeface="Arial"/>
+                <a:cs typeface="Arial"/>
+                <a:sym typeface="Arial"/>
+              </a:rPr>
+              <a:t>- gdybyście chcieli coś zmienić, np. zamienić jedną wolną sobotę na inną – dawajcie znać;</a:t>
+            </a:r>
+            <a:endParaRPr lang="en-PL" sz="1100" b="0" i="0" u="none" strike="noStrike" cap="none" dirty="0">
+              <a:solidFill>
+                <a:srgbClr val="000000"/>
+              </a:solidFill>
+              <a:effectLst/>
+              <a:latin typeface="Arial"/>
+              <a:ea typeface="Arial"/>
+              <a:cs typeface="Arial"/>
+              <a:sym typeface="Arial"/>
+            </a:endParaRPr>
+          </a:p>
+          <a:p>
+            <a:r>
+              <a:rPr lang="pl-PL" sz="1100" b="0" i="0" u="none" strike="noStrike" cap="none" dirty="0">
+                <a:solidFill>
+                  <a:srgbClr val="000000"/>
+                </a:solidFill>
+                <a:effectLst/>
+                <a:latin typeface="Arial"/>
+                <a:ea typeface="Arial"/>
+                <a:cs typeface="Arial"/>
+                <a:sym typeface="Arial"/>
+              </a:rPr>
+              <a:t>- gdyby było za szybko / wolno – również dawajcie znać;</a:t>
+            </a:r>
+            <a:endParaRPr lang="en-PL" sz="1100" b="0" i="0" u="none" strike="noStrike" cap="none" dirty="0">
+              <a:solidFill>
+                <a:srgbClr val="000000"/>
+              </a:solidFill>
+              <a:effectLst/>
+              <a:latin typeface="Arial"/>
+              <a:ea typeface="Arial"/>
+              <a:cs typeface="Arial"/>
+              <a:sym typeface="Arial"/>
+            </a:endParaRPr>
+          </a:p>
+          <a:p>
             <a:pPr marL="0" lvl="0" indent="0" algn="l" rtl="0">
               <a:spcBef>
                 <a:spcPts val="0"/>
@@ -1140,7 +2755,7 @@
               </a:spcAft>
               <a:buNone/>
             </a:pPr>
-            <a:endParaRPr/>
+            <a:endParaRPr dirty="0"/>
           </a:p>
         </p:txBody>
       </p:sp>
@@ -1235,6 +2850,299 @@
           </a:bodyPr>
           <a:lstStyle/>
           <a:p>
+            <a:r>
+              <a:rPr lang="pl-PL" sz="1100" b="0" i="0" u="none" strike="noStrike" cap="none" dirty="0">
+                <a:solidFill>
+                  <a:srgbClr val="000000"/>
+                </a:solidFill>
+                <a:effectLst/>
+                <a:latin typeface="Arial"/>
+                <a:ea typeface="Arial"/>
+                <a:cs typeface="Arial"/>
+                <a:sym typeface="Arial"/>
+              </a:rPr>
+              <a:t>prowadzący</a:t>
+            </a:r>
+            <a:endParaRPr lang="en-PL" sz="1100" b="0" i="0" u="none" strike="noStrike" cap="none" dirty="0">
+              <a:solidFill>
+                <a:srgbClr val="000000"/>
+              </a:solidFill>
+              <a:effectLst/>
+              <a:latin typeface="Arial"/>
+              <a:ea typeface="Arial"/>
+              <a:cs typeface="Arial"/>
+              <a:sym typeface="Arial"/>
+            </a:endParaRPr>
+          </a:p>
+          <a:p>
+            <a:pPr lvl="0"/>
+            <a:r>
+              <a:rPr lang="pl-PL" sz="1100" b="1" i="0" u="none" strike="noStrike" cap="none" dirty="0">
+                <a:solidFill>
+                  <a:srgbClr val="000000"/>
+                </a:solidFill>
+                <a:effectLst/>
+                <a:latin typeface="Arial"/>
+                <a:ea typeface="Arial"/>
+                <a:cs typeface="Arial"/>
+                <a:sym typeface="Arial"/>
+              </a:rPr>
+              <a:t>krótkie omówienie prowadzących</a:t>
+            </a:r>
+            <a:endParaRPr lang="en-PL" sz="1100" b="0" i="0" u="none" strike="noStrike" cap="none" dirty="0">
+              <a:solidFill>
+                <a:srgbClr val="000000"/>
+              </a:solidFill>
+              <a:effectLst/>
+              <a:latin typeface="Arial"/>
+              <a:ea typeface="Arial"/>
+              <a:cs typeface="Arial"/>
+              <a:sym typeface="Arial"/>
+            </a:endParaRPr>
+          </a:p>
+          <a:p>
+            <a:r>
+              <a:rPr lang="pl-PL" sz="1100" b="0" i="0" u="none" strike="noStrike" cap="none" dirty="0">
+                <a:solidFill>
+                  <a:srgbClr val="000000"/>
+                </a:solidFill>
+                <a:effectLst/>
+                <a:latin typeface="Arial"/>
+                <a:ea typeface="Arial"/>
+                <a:cs typeface="Arial"/>
+                <a:sym typeface="Arial"/>
+              </a:rPr>
+              <a:t>- „tu jeszcze slajd, gdzie są nasi prowadzący obecną edycję”</a:t>
+            </a:r>
+            <a:endParaRPr lang="en-PL" sz="1100" b="0" i="0" u="none" strike="noStrike" cap="none" dirty="0">
+              <a:solidFill>
+                <a:srgbClr val="000000"/>
+              </a:solidFill>
+              <a:effectLst/>
+              <a:latin typeface="Arial"/>
+              <a:ea typeface="Arial"/>
+              <a:cs typeface="Arial"/>
+              <a:sym typeface="Arial"/>
+            </a:endParaRPr>
+          </a:p>
+          <a:p>
+            <a:r>
+              <a:rPr lang="pl-PL" sz="1100" b="0" i="0" u="none" strike="noStrike" cap="none" dirty="0">
+                <a:solidFill>
+                  <a:srgbClr val="000000"/>
+                </a:solidFill>
+                <a:effectLst/>
+                <a:latin typeface="Arial"/>
+                <a:ea typeface="Arial"/>
+                <a:cs typeface="Arial"/>
+                <a:sym typeface="Arial"/>
+              </a:rPr>
+              <a:t>- Mikołaj -&gt; </a:t>
+            </a:r>
+            <a:r>
+              <a:rPr lang="pl-PL" sz="1100" b="0" i="0" u="none" strike="noStrike" cap="none" dirty="0" err="1">
+                <a:solidFill>
+                  <a:srgbClr val="000000"/>
+                </a:solidFill>
+                <a:effectLst/>
+                <a:latin typeface="Arial"/>
+                <a:ea typeface="Arial"/>
+                <a:cs typeface="Arial"/>
+                <a:sym typeface="Arial"/>
+              </a:rPr>
+              <a:t>shell</a:t>
+            </a:r>
+            <a:r>
+              <a:rPr lang="pl-PL" sz="1100" b="0" i="0" u="none" strike="noStrike" cap="none" dirty="0">
+                <a:solidFill>
+                  <a:srgbClr val="000000"/>
+                </a:solidFill>
+                <a:effectLst/>
+                <a:latin typeface="Arial"/>
+                <a:ea typeface="Arial"/>
+                <a:cs typeface="Arial"/>
+                <a:sym typeface="Arial"/>
+              </a:rPr>
+              <a:t>/git, python (wspólnie z Piotrkiem), </a:t>
+            </a:r>
+            <a:r>
+              <a:rPr lang="pl-PL" sz="1100" b="0" i="0" u="none" strike="noStrike" cap="none" dirty="0" err="1">
+                <a:solidFill>
+                  <a:srgbClr val="000000"/>
+                </a:solidFill>
+                <a:effectLst/>
+                <a:latin typeface="Arial"/>
+                <a:ea typeface="Arial"/>
+                <a:cs typeface="Arial"/>
+                <a:sym typeface="Arial"/>
+              </a:rPr>
+              <a:t>sql</a:t>
+            </a:r>
+            <a:r>
+              <a:rPr lang="pl-PL" sz="1100" b="0" i="0" u="none" strike="noStrike" cap="none" dirty="0">
+                <a:solidFill>
+                  <a:srgbClr val="000000"/>
+                </a:solidFill>
+                <a:effectLst/>
+                <a:latin typeface="Arial"/>
+                <a:ea typeface="Arial"/>
+                <a:cs typeface="Arial"/>
+                <a:sym typeface="Arial"/>
+              </a:rPr>
+              <a:t>;</a:t>
+            </a:r>
+            <a:endParaRPr lang="en-PL" sz="1100" b="0" i="0" u="none" strike="noStrike" cap="none" dirty="0">
+              <a:solidFill>
+                <a:srgbClr val="000000"/>
+              </a:solidFill>
+              <a:effectLst/>
+              <a:latin typeface="Arial"/>
+              <a:ea typeface="Arial"/>
+              <a:cs typeface="Arial"/>
+              <a:sym typeface="Arial"/>
+            </a:endParaRPr>
+          </a:p>
+          <a:p>
+            <a:r>
+              <a:rPr lang="pl-PL" sz="1100" b="0" i="0" u="none" strike="noStrike" cap="none" dirty="0">
+                <a:solidFill>
+                  <a:srgbClr val="000000"/>
+                </a:solidFill>
+                <a:effectLst/>
+                <a:latin typeface="Arial"/>
+                <a:ea typeface="Arial"/>
+                <a:cs typeface="Arial"/>
+                <a:sym typeface="Arial"/>
+              </a:rPr>
+              <a:t>- Piotrek </a:t>
+            </a:r>
+            <a:r>
+              <a:rPr lang="pl-PL" sz="1100" b="0" i="0" u="none" strike="noStrike" cap="none" dirty="0" err="1">
+                <a:solidFill>
+                  <a:srgbClr val="000000"/>
+                </a:solidFill>
+                <a:effectLst/>
+                <a:latin typeface="Arial"/>
+                <a:ea typeface="Arial"/>
+                <a:cs typeface="Arial"/>
+                <a:sym typeface="Arial"/>
+              </a:rPr>
+              <a:t>Banaszkewicz</a:t>
+            </a:r>
+            <a:r>
+              <a:rPr lang="pl-PL" sz="1100" b="0" i="0" u="none" strike="noStrike" cap="none" dirty="0">
+                <a:solidFill>
+                  <a:srgbClr val="000000"/>
+                </a:solidFill>
+                <a:effectLst/>
+                <a:latin typeface="Arial"/>
+                <a:ea typeface="Arial"/>
+                <a:cs typeface="Arial"/>
+                <a:sym typeface="Arial"/>
+              </a:rPr>
+              <a:t> -&gt; </a:t>
+            </a:r>
+            <a:r>
+              <a:rPr lang="pl-PL" sz="1100" b="0" i="0" u="none" strike="noStrike" cap="none" dirty="0" err="1">
+                <a:solidFill>
+                  <a:srgbClr val="000000"/>
+                </a:solidFill>
+                <a:effectLst/>
+                <a:latin typeface="Arial"/>
+                <a:ea typeface="Arial"/>
+                <a:cs typeface="Arial"/>
+                <a:sym typeface="Arial"/>
+              </a:rPr>
+              <a:t>Django</a:t>
+            </a:r>
+            <a:r>
+              <a:rPr lang="pl-PL" sz="1100" b="0" i="0" u="none" strike="noStrike" cap="none" dirty="0">
+                <a:solidFill>
+                  <a:srgbClr val="000000"/>
+                </a:solidFill>
+                <a:effectLst/>
+                <a:latin typeface="Arial"/>
+                <a:ea typeface="Arial"/>
+                <a:cs typeface="Arial"/>
+                <a:sym typeface="Arial"/>
+              </a:rPr>
+              <a:t> I python;</a:t>
+            </a:r>
+            <a:endParaRPr lang="en-PL" sz="1100" b="0" i="0" u="none" strike="noStrike" cap="none" dirty="0">
+              <a:solidFill>
+                <a:srgbClr val="000000"/>
+              </a:solidFill>
+              <a:effectLst/>
+              <a:latin typeface="Arial"/>
+              <a:ea typeface="Arial"/>
+              <a:cs typeface="Arial"/>
+              <a:sym typeface="Arial"/>
+            </a:endParaRPr>
+          </a:p>
+          <a:p>
+            <a:r>
+              <a:rPr lang="pl-PL" sz="1100" b="0" i="0" u="none" strike="noStrike" cap="none" dirty="0">
+                <a:solidFill>
+                  <a:srgbClr val="000000"/>
+                </a:solidFill>
+                <a:effectLst/>
+                <a:latin typeface="Arial"/>
+                <a:ea typeface="Arial"/>
+                <a:cs typeface="Arial"/>
+                <a:sym typeface="Arial"/>
+              </a:rPr>
+              <a:t>- Piotrek Arciszewski -&gt; web (z nim się będziecie widzieć już w przyszłym tygodniu)</a:t>
+            </a:r>
+            <a:endParaRPr lang="en-PL" sz="1100" b="0" i="0" u="none" strike="noStrike" cap="none" dirty="0">
+              <a:solidFill>
+                <a:srgbClr val="000000"/>
+              </a:solidFill>
+              <a:effectLst/>
+              <a:latin typeface="Arial"/>
+              <a:ea typeface="Arial"/>
+              <a:cs typeface="Arial"/>
+              <a:sym typeface="Arial"/>
+            </a:endParaRPr>
+          </a:p>
+          <a:p>
+            <a:r>
+              <a:rPr lang="pl-PL" sz="1100" b="0" i="0" u="none" strike="noStrike" cap="none" dirty="0">
+                <a:solidFill>
+                  <a:srgbClr val="000000"/>
+                </a:solidFill>
+                <a:effectLst/>
+                <a:latin typeface="Arial"/>
+                <a:ea typeface="Arial"/>
+                <a:cs typeface="Arial"/>
+                <a:sym typeface="Arial"/>
+              </a:rPr>
+              <a:t>- Kuba -&gt; </a:t>
+            </a:r>
+            <a:r>
+              <a:rPr lang="pl-PL" sz="1100" b="0" i="0" u="none" strike="noStrike" cap="none" dirty="0" err="1">
+                <a:solidFill>
+                  <a:srgbClr val="000000"/>
+                </a:solidFill>
+                <a:effectLst/>
+                <a:latin typeface="Arial"/>
+                <a:ea typeface="Arial"/>
+                <a:cs typeface="Arial"/>
+                <a:sym typeface="Arial"/>
+              </a:rPr>
+              <a:t>React</a:t>
+            </a:r>
+            <a:endParaRPr lang="en-PL" sz="1100" b="0" i="0" u="none" strike="noStrike" cap="none" dirty="0">
+              <a:solidFill>
+                <a:srgbClr val="000000"/>
+              </a:solidFill>
+              <a:effectLst/>
+              <a:latin typeface="Arial"/>
+              <a:ea typeface="Arial"/>
+              <a:cs typeface="Arial"/>
+              <a:sym typeface="Arial"/>
+            </a:endParaRPr>
+          </a:p>
+          <a:p>
             <a:pPr marL="0" lvl="0" indent="0" algn="l" rtl="0">
               <a:spcBef>
                 <a:spcPts val="0"/>
@@ -1244,7 +3152,7 @@
               </a:spcAft>
               <a:buNone/>
             </a:pPr>
-            <a:endParaRPr/>
+            <a:endParaRPr dirty="0"/>
           </a:p>
         </p:txBody>
       </p:sp>
@@ -1257,6 +3165,497 @@
 </file>
 
 <file path=ppt/notesSlides/notesSlide6.xml><?xml version="1.0" encoding="utf-8"?>
+<p:notes xmlns:a="http://schemas.openxmlformats.org/drawingml/2006/main" xmlns:r="http://schemas.openxmlformats.org/officeDocument/2006/relationships" xmlns:p="http://schemas.openxmlformats.org/presentationml/2006/main" showMasterSp="0" showMasterPhAnim="0">
+  <p:cSld>
+    <p:spTree>
+      <p:nvGrpSpPr>
+        <p:cNvPr id="1" name="Shape 119"/>
+        <p:cNvGrpSpPr/>
+        <p:nvPr/>
+      </p:nvGrpSpPr>
+      <p:grpSpPr>
+        <a:xfrm>
+          <a:off x="0" y="0"/>
+          <a:ext cx="0" cy="0"/>
+          <a:chOff x="0" y="0"/>
+          <a:chExt cx="0" cy="0"/>
+        </a:xfrm>
+      </p:grpSpPr>
+      <p:sp>
+        <p:nvSpPr>
+          <p:cNvPr id="120" name="Google Shape;120;g96b79796a2_0_1487:notes"/>
+          <p:cNvSpPr>
+            <a:spLocks noGrp="1" noRot="1" noChangeAspect="1"/>
+          </p:cNvSpPr>
+          <p:nvPr>
+            <p:ph type="sldImg" idx="2"/>
+          </p:nvPr>
+        </p:nvSpPr>
+        <p:spPr>
+          <a:xfrm>
+            <a:off x="381000" y="685800"/>
+            <a:ext cx="6096000" cy="3429000"/>
+          </a:xfrm>
+          <a:custGeom>
+            <a:avLst/>
+            <a:gdLst/>
+            <a:ahLst/>
+            <a:cxnLst/>
+            <a:rect l="l" t="t" r="r" b="b"/>
+            <a:pathLst>
+              <a:path w="120000" h="120000" extrusionOk="0">
+                <a:moveTo>
+                  <a:pt x="0" y="0"/>
+                </a:moveTo>
+                <a:lnTo>
+                  <a:pt x="120000" y="0"/>
+                </a:lnTo>
+                <a:lnTo>
+                  <a:pt x="120000" y="120000"/>
+                </a:lnTo>
+                <a:lnTo>
+                  <a:pt x="0" y="120000"/>
+                </a:lnTo>
+                <a:close/>
+              </a:path>
+            </a:pathLst>
+          </a:custGeom>
+        </p:spPr>
+      </p:sp>
+      <p:sp>
+        <p:nvSpPr>
+          <p:cNvPr id="121" name="Google Shape;121;g96b79796a2_0_1487:notes"/>
+          <p:cNvSpPr txBox="1">
+            <a:spLocks noGrp="1"/>
+          </p:cNvSpPr>
+          <p:nvPr>
+            <p:ph type="body" idx="1"/>
+          </p:nvPr>
+        </p:nvSpPr>
+        <p:spPr>
+          <a:xfrm>
+            <a:off x="685800" y="4343400"/>
+            <a:ext cx="5486400" cy="4114800"/>
+          </a:xfrm>
+          <a:prstGeom prst="rect">
+            <a:avLst/>
+          </a:prstGeom>
+        </p:spPr>
+        <p:txBody>
+          <a:bodyPr spcFirstLastPara="1" wrap="square" lIns="91425" tIns="91425" rIns="91425" bIns="91425" anchor="t" anchorCtr="0">
+            <a:noAutofit/>
+          </a:bodyPr>
+          <a:lstStyle/>
+          <a:p>
+            <a:r>
+              <a:rPr lang="pl-PL" sz="1100" b="0" i="0" u="none" strike="noStrike" cap="none" dirty="0" err="1">
+                <a:solidFill>
+                  <a:srgbClr val="000000"/>
+                </a:solidFill>
+                <a:effectLst/>
+                <a:latin typeface="Arial"/>
+                <a:ea typeface="Arial"/>
+                <a:cs typeface="Arial"/>
+                <a:sym typeface="Arial"/>
+              </a:rPr>
+              <a:t>slack</a:t>
+            </a:r>
+            <a:endParaRPr lang="en-PL" sz="1100" b="0" i="0" u="none" strike="noStrike" cap="none" dirty="0">
+              <a:solidFill>
+                <a:srgbClr val="000000"/>
+              </a:solidFill>
+              <a:effectLst/>
+              <a:latin typeface="Arial"/>
+              <a:ea typeface="Arial"/>
+              <a:cs typeface="Arial"/>
+              <a:sym typeface="Arial"/>
+            </a:endParaRPr>
+          </a:p>
+          <a:p>
+            <a:pPr lvl="0"/>
+            <a:r>
+              <a:rPr lang="pl-PL" sz="1100" b="1" i="0" u="none" strike="noStrike" cap="none" dirty="0">
+                <a:solidFill>
+                  <a:srgbClr val="000000"/>
+                </a:solidFill>
+                <a:effectLst/>
+                <a:latin typeface="Arial"/>
+                <a:ea typeface="Arial"/>
+                <a:cs typeface="Arial"/>
+                <a:sym typeface="Arial"/>
+              </a:rPr>
+              <a:t>kilka kwestii organizacyjnych:</a:t>
+            </a:r>
+            <a:endParaRPr lang="en-PL" sz="1100" b="0" i="0" u="none" strike="noStrike" cap="none" dirty="0">
+              <a:solidFill>
+                <a:srgbClr val="000000"/>
+              </a:solidFill>
+              <a:effectLst/>
+              <a:latin typeface="Arial"/>
+              <a:ea typeface="Arial"/>
+              <a:cs typeface="Arial"/>
+              <a:sym typeface="Arial"/>
+            </a:endParaRPr>
+          </a:p>
+          <a:p>
+            <a:r>
+              <a:rPr lang="pl-PL" sz="1100" b="0" i="0" u="none" strike="noStrike" cap="none" dirty="0">
+                <a:solidFill>
+                  <a:srgbClr val="000000"/>
+                </a:solidFill>
+                <a:effectLst/>
+                <a:latin typeface="Arial"/>
+                <a:ea typeface="Arial"/>
+                <a:cs typeface="Arial"/>
+                <a:sym typeface="Arial"/>
+              </a:rPr>
+              <a:t>- wszyscy macie już dostęp do </a:t>
+            </a:r>
+            <a:r>
+              <a:rPr lang="pl-PL" sz="1100" b="0" i="0" u="none" strike="noStrike" cap="none" dirty="0" err="1">
+                <a:solidFill>
+                  <a:srgbClr val="000000"/>
+                </a:solidFill>
+                <a:effectLst/>
+                <a:latin typeface="Arial"/>
+                <a:ea typeface="Arial"/>
+                <a:cs typeface="Arial"/>
+                <a:sym typeface="Arial"/>
+              </a:rPr>
+              <a:t>Slacka</a:t>
+            </a:r>
+            <a:r>
+              <a:rPr lang="pl-PL" sz="1100" b="0" i="0" u="none" strike="noStrike" cap="none" dirty="0">
+                <a:solidFill>
+                  <a:srgbClr val="000000"/>
+                </a:solidFill>
+                <a:effectLst/>
+                <a:latin typeface="Arial"/>
+                <a:ea typeface="Arial"/>
+                <a:cs typeface="Arial"/>
+                <a:sym typeface="Arial"/>
+              </a:rPr>
+              <a:t> mam nadzieję</a:t>
+            </a:r>
+            <a:endParaRPr lang="en-PL" sz="1100" b="0" i="0" u="none" strike="noStrike" cap="none" dirty="0">
+              <a:solidFill>
+                <a:srgbClr val="000000"/>
+              </a:solidFill>
+              <a:effectLst/>
+              <a:latin typeface="Arial"/>
+              <a:ea typeface="Arial"/>
+              <a:cs typeface="Arial"/>
+              <a:sym typeface="Arial"/>
+            </a:endParaRPr>
+          </a:p>
+          <a:p>
+            <a:r>
+              <a:rPr lang="pl-PL" sz="1100" b="0" i="0" u="none" strike="noStrike" cap="none" dirty="0">
+                <a:solidFill>
+                  <a:srgbClr val="000000"/>
+                </a:solidFill>
+                <a:effectLst/>
+                <a:latin typeface="Arial"/>
+                <a:ea typeface="Arial"/>
+                <a:cs typeface="Arial"/>
+                <a:sym typeface="Arial"/>
+              </a:rPr>
+              <a:t>- zajęcia są na zoomie -&gt; linki do zajęć będą pojawiać się na kanale grupowym na </a:t>
+            </a:r>
+            <a:r>
+              <a:rPr lang="pl-PL" sz="1100" b="0" i="0" u="none" strike="noStrike" cap="none" dirty="0" err="1">
+                <a:solidFill>
+                  <a:srgbClr val="000000"/>
+                </a:solidFill>
+                <a:effectLst/>
+                <a:latin typeface="Arial"/>
+                <a:ea typeface="Arial"/>
+                <a:cs typeface="Arial"/>
+                <a:sym typeface="Arial"/>
+              </a:rPr>
+              <a:t>Slacku</a:t>
+            </a:r>
+            <a:r>
+              <a:rPr lang="pl-PL" sz="1100" b="0" i="0" u="none" strike="noStrike" cap="none" dirty="0">
+                <a:solidFill>
+                  <a:srgbClr val="000000"/>
+                </a:solidFill>
+                <a:effectLst/>
+                <a:latin typeface="Arial"/>
+                <a:ea typeface="Arial"/>
+                <a:cs typeface="Arial"/>
+                <a:sym typeface="Arial"/>
+              </a:rPr>
+              <a:t>;</a:t>
+            </a:r>
+            <a:endParaRPr lang="en-PL" sz="1100" b="0" i="0" u="none" strike="noStrike" cap="none" dirty="0">
+              <a:solidFill>
+                <a:srgbClr val="000000"/>
+              </a:solidFill>
+              <a:effectLst/>
+              <a:latin typeface="Arial"/>
+              <a:ea typeface="Arial"/>
+              <a:cs typeface="Arial"/>
+              <a:sym typeface="Arial"/>
+            </a:endParaRPr>
+          </a:p>
+          <a:p>
+            <a:r>
+              <a:rPr lang="pl-PL" sz="1100" b="0" i="0" u="none" strike="noStrike" cap="none" dirty="0">
+                <a:solidFill>
+                  <a:srgbClr val="000000"/>
+                </a:solidFill>
+                <a:effectLst/>
+                <a:latin typeface="Arial"/>
+                <a:ea typeface="Arial"/>
+                <a:cs typeface="Arial"/>
+                <a:sym typeface="Arial"/>
+              </a:rPr>
+              <a:t>- po zajęciach materiały z zajęć (nagrania, slajdy itd.) -&gt; również będą pojawiać się na </a:t>
+            </a:r>
+            <a:r>
+              <a:rPr lang="pl-PL" sz="1100" b="0" i="0" u="none" strike="noStrike" cap="none" dirty="0" err="1">
+                <a:solidFill>
+                  <a:srgbClr val="000000"/>
+                </a:solidFill>
+                <a:effectLst/>
+                <a:latin typeface="Arial"/>
+                <a:ea typeface="Arial"/>
+                <a:cs typeface="Arial"/>
+                <a:sym typeface="Arial"/>
+              </a:rPr>
+              <a:t>Slacku</a:t>
+            </a:r>
+            <a:r>
+              <a:rPr lang="pl-PL" sz="1100" b="0" i="0" u="none" strike="noStrike" cap="none" dirty="0">
+                <a:solidFill>
+                  <a:srgbClr val="000000"/>
+                </a:solidFill>
+                <a:effectLst/>
+                <a:latin typeface="Arial"/>
+                <a:ea typeface="Arial"/>
+                <a:cs typeface="Arial"/>
+                <a:sym typeface="Arial"/>
+              </a:rPr>
+              <a:t>. Będzie osobny </a:t>
+            </a:r>
+            <a:r>
+              <a:rPr lang="pl-PL" sz="1100" b="1" i="0" u="none" strike="noStrike" cap="none" dirty="0">
+                <a:solidFill>
+                  <a:srgbClr val="000000"/>
+                </a:solidFill>
+                <a:effectLst/>
+                <a:latin typeface="Arial"/>
+                <a:ea typeface="Arial"/>
+                <a:cs typeface="Arial"/>
+                <a:sym typeface="Arial"/>
+              </a:rPr>
+              <a:t>kanał 2020-11org</a:t>
+            </a:r>
+            <a:r>
+              <a:rPr lang="pl-PL" sz="1100" b="0" i="0" u="none" strike="noStrike" cap="none" dirty="0">
+                <a:solidFill>
+                  <a:srgbClr val="000000"/>
+                </a:solidFill>
+                <a:effectLst/>
+                <a:latin typeface="Arial"/>
+                <a:ea typeface="Arial"/>
+                <a:cs typeface="Arial"/>
+                <a:sym typeface="Arial"/>
+              </a:rPr>
+              <a:t>, gdzie będą zebrane w całość nagrania i materiały;</a:t>
+            </a:r>
+            <a:endParaRPr lang="en-PL" sz="1100" b="0" i="0" u="none" strike="noStrike" cap="none" dirty="0">
+              <a:solidFill>
+                <a:srgbClr val="000000"/>
+              </a:solidFill>
+              <a:effectLst/>
+              <a:latin typeface="Arial"/>
+              <a:ea typeface="Arial"/>
+              <a:cs typeface="Arial"/>
+              <a:sym typeface="Arial"/>
+            </a:endParaRPr>
+          </a:p>
+          <a:p>
+            <a:r>
+              <a:rPr lang="pl-PL" sz="1100" b="0" i="0" u="none" strike="noStrike" cap="none" dirty="0">
+                <a:solidFill>
+                  <a:srgbClr val="000000"/>
+                </a:solidFill>
+                <a:effectLst/>
+                <a:latin typeface="Arial"/>
+                <a:ea typeface="Arial"/>
+                <a:cs typeface="Arial"/>
+                <a:sym typeface="Arial"/>
+              </a:rPr>
+              <a:t>- czasem przed zajęciami będziemy Was prosili o przeczytanie / przećwiczenie czegoś, linki również będą na </a:t>
+            </a:r>
+            <a:r>
+              <a:rPr lang="pl-PL" sz="1100" b="0" i="0" u="none" strike="noStrike" cap="none" dirty="0" err="1">
+                <a:solidFill>
+                  <a:srgbClr val="000000"/>
+                </a:solidFill>
+                <a:effectLst/>
+                <a:latin typeface="Arial"/>
+                <a:ea typeface="Arial"/>
+                <a:cs typeface="Arial"/>
+                <a:sym typeface="Arial"/>
+              </a:rPr>
+              <a:t>Slacku</a:t>
+            </a:r>
+            <a:r>
+              <a:rPr lang="pl-PL" sz="1100" b="0" i="0" u="none" strike="noStrike" cap="none" dirty="0">
+                <a:solidFill>
+                  <a:srgbClr val="000000"/>
+                </a:solidFill>
+                <a:effectLst/>
+                <a:latin typeface="Arial"/>
+                <a:ea typeface="Arial"/>
+                <a:cs typeface="Arial"/>
+                <a:sym typeface="Arial"/>
+              </a:rPr>
+              <a:t>. Tak samo, jak zadania domowe;</a:t>
+            </a:r>
+            <a:endParaRPr lang="en-PL" sz="1100" b="0" i="0" u="none" strike="noStrike" cap="none" dirty="0">
+              <a:solidFill>
+                <a:srgbClr val="000000"/>
+              </a:solidFill>
+              <a:effectLst/>
+              <a:latin typeface="Arial"/>
+              <a:ea typeface="Arial"/>
+              <a:cs typeface="Arial"/>
+              <a:sym typeface="Arial"/>
+            </a:endParaRPr>
+          </a:p>
+          <a:p>
+            <a:r>
+              <a:rPr lang="pl-PL" sz="1100" b="0" i="0" u="none" strike="noStrike" cap="none" dirty="0">
+                <a:solidFill>
+                  <a:srgbClr val="000000"/>
+                </a:solidFill>
+                <a:effectLst/>
+                <a:latin typeface="Arial"/>
+                <a:ea typeface="Arial"/>
+                <a:cs typeface="Arial"/>
+                <a:sym typeface="Arial"/>
+              </a:rPr>
+              <a:t>- po pierwszym module zadania / projekty będziemy umieszczać również na </a:t>
+            </a:r>
+            <a:r>
+              <a:rPr lang="pl-PL" sz="1100" b="0" i="0" u="none" strike="noStrike" cap="none" dirty="0" err="1">
+                <a:solidFill>
+                  <a:srgbClr val="000000"/>
+                </a:solidFill>
+                <a:effectLst/>
+                <a:latin typeface="Arial"/>
+                <a:ea typeface="Arial"/>
+                <a:cs typeface="Arial"/>
+                <a:sym typeface="Arial"/>
+              </a:rPr>
+              <a:t>githubie</a:t>
+            </a:r>
+            <a:r>
+              <a:rPr lang="pl-PL" sz="1100" b="0" i="0" u="none" strike="noStrike" cap="none" dirty="0">
+                <a:solidFill>
+                  <a:srgbClr val="000000"/>
+                </a:solidFill>
+                <a:effectLst/>
+                <a:latin typeface="Arial"/>
+                <a:ea typeface="Arial"/>
+                <a:cs typeface="Arial"/>
+                <a:sym typeface="Arial"/>
+              </a:rPr>
+              <a:t>, więc prowadzący będą mieli dostęp do Waszych projektów / zadań na bieżąco;</a:t>
+            </a:r>
+            <a:endParaRPr lang="en-PL" sz="1100" b="0" i="0" u="none" strike="noStrike" cap="none" dirty="0">
+              <a:solidFill>
+                <a:srgbClr val="000000"/>
+              </a:solidFill>
+              <a:effectLst/>
+              <a:latin typeface="Arial"/>
+              <a:ea typeface="Arial"/>
+              <a:cs typeface="Arial"/>
+              <a:sym typeface="Arial"/>
+            </a:endParaRPr>
+          </a:p>
+          <a:p>
+            <a:r>
+              <a:rPr lang="pl-PL" sz="1100" b="0" i="0" u="none" strike="noStrike" cap="none" dirty="0">
+                <a:solidFill>
+                  <a:srgbClr val="000000"/>
+                </a:solidFill>
+                <a:effectLst/>
+                <a:latin typeface="Arial"/>
+                <a:ea typeface="Arial"/>
+                <a:cs typeface="Arial"/>
+                <a:sym typeface="Arial"/>
+              </a:rPr>
+              <a:t>- gdybyście potrzebowali pomocy między zajęciami – piszcie śmiało na kanale grupowym lub bezpośrednio do nas;</a:t>
+            </a:r>
+            <a:endParaRPr lang="en-PL" sz="1100" b="0" i="0" u="none" strike="noStrike" cap="none" dirty="0">
+              <a:solidFill>
+                <a:srgbClr val="000000"/>
+              </a:solidFill>
+              <a:effectLst/>
+              <a:latin typeface="Arial"/>
+              <a:ea typeface="Arial"/>
+              <a:cs typeface="Arial"/>
+              <a:sym typeface="Arial"/>
+            </a:endParaRPr>
+          </a:p>
+          <a:p>
+            <a:r>
+              <a:rPr lang="pl-PL" sz="1100" b="0" i="0" u="none" strike="noStrike" cap="none" dirty="0">
+                <a:solidFill>
+                  <a:srgbClr val="000000"/>
+                </a:solidFill>
+                <a:effectLst/>
+                <a:latin typeface="Arial"/>
+                <a:ea typeface="Arial"/>
+                <a:cs typeface="Arial"/>
+                <a:sym typeface="Arial"/>
+              </a:rPr>
+              <a:t>- po lewej mamy nasz kanał (tylko nasza grupa) i kanały ogólne, gdzie są również uczestnicy </a:t>
+            </a:r>
+            <a:endParaRPr lang="en-PL" sz="1100" b="0" i="0" u="none" strike="noStrike" cap="none" dirty="0">
+              <a:solidFill>
+                <a:srgbClr val="000000"/>
+              </a:solidFill>
+              <a:effectLst/>
+              <a:latin typeface="Arial"/>
+              <a:ea typeface="Arial"/>
+              <a:cs typeface="Arial"/>
+              <a:sym typeface="Arial"/>
+            </a:endParaRPr>
+          </a:p>
+          <a:p>
+            <a:pPr marL="0" lvl="0" indent="0" algn="l" rtl="0">
+              <a:spcBef>
+                <a:spcPts val="0"/>
+              </a:spcBef>
+              <a:spcAft>
+                <a:spcPts val="0"/>
+              </a:spcAft>
+              <a:buNone/>
+            </a:pPr>
+            <a:endParaRPr dirty="0"/>
+          </a:p>
+        </p:txBody>
+      </p:sp>
+    </p:spTree>
+    <p:extLst>
+      <p:ext uri="{BB962C8B-B14F-4D97-AF65-F5344CB8AC3E}">
+        <p14:creationId xmlns:p14="http://schemas.microsoft.com/office/powerpoint/2010/main" val="852422304"/>
+      </p:ext>
+    </p:extLst>
+  </p:cSld>
+  <p:clrMapOvr>
+    <a:masterClrMapping/>
+  </p:clrMapOvr>
+</p:notes>
+</file>
+
+<file path=ppt/notesSlides/notesSlide7.xml><?xml version="1.0" encoding="utf-8"?>
 <p:notes xmlns:a="http://schemas.openxmlformats.org/drawingml/2006/main" xmlns:r="http://schemas.openxmlformats.org/officeDocument/2006/relationships" xmlns:p="http://schemas.openxmlformats.org/presentationml/2006/main" showMasterSp="0" showMasterPhAnim="0">
   <p:cSld>
     <p:spTree>
@@ -1339,109 +3738,248 @@
           </a:bodyPr>
           <a:lstStyle/>
           <a:p>
-            <a:pPr marL="0" lvl="0" indent="0" algn="l" rtl="0">
-              <a:spcBef>
-                <a:spcPts val="0"/>
-              </a:spcBef>
-              <a:spcAft>
-                <a:spcPts val="0"/>
-              </a:spcAft>
-              <a:buNone/>
-            </a:pPr>
-            <a:endParaRPr/>
+            <a:r>
+              <a:rPr lang="pl-PL" sz="1100" b="0" i="0" u="none" strike="noStrike" cap="none" dirty="0">
+                <a:solidFill>
+                  <a:srgbClr val="000000"/>
+                </a:solidFill>
+                <a:effectLst/>
+                <a:latin typeface="Arial"/>
+                <a:ea typeface="Arial"/>
+                <a:cs typeface="Arial"/>
+                <a:sym typeface="Arial"/>
+              </a:rPr>
+              <a:t>logotypy</a:t>
+            </a:r>
+            <a:endParaRPr lang="en-PL" sz="1100" b="0" i="0" u="none" strike="noStrike" cap="none" dirty="0">
+              <a:solidFill>
+                <a:srgbClr val="000000"/>
+              </a:solidFill>
+              <a:effectLst/>
+              <a:latin typeface="Arial"/>
+              <a:ea typeface="Arial"/>
+              <a:cs typeface="Arial"/>
+              <a:sym typeface="Arial"/>
+            </a:endParaRPr>
           </a:p>
-        </p:txBody>
-      </p:sp>
-    </p:spTree>
-  </p:cSld>
-  <p:clrMapOvr>
-    <a:masterClrMapping/>
-  </p:clrMapOvr>
-</p:notes>
-</file>
-
-<file path=ppt/notesSlides/notesSlide7.xml><?xml version="1.0" encoding="utf-8"?>
-<p:notes xmlns:a="http://schemas.openxmlformats.org/drawingml/2006/main" xmlns:r="http://schemas.openxmlformats.org/officeDocument/2006/relationships" xmlns:p="http://schemas.openxmlformats.org/presentationml/2006/main" showMasterSp="0" showMasterPhAnim="0">
-  <p:cSld>
-    <p:spTree>
-      <p:nvGrpSpPr>
-        <p:cNvPr id="1" name="Shape 144"/>
-        <p:cNvGrpSpPr/>
-        <p:nvPr/>
-      </p:nvGrpSpPr>
-      <p:grpSpPr>
-        <a:xfrm>
-          <a:off x="0" y="0"/>
-          <a:ext cx="0" cy="0"/>
-          <a:chOff x="0" y="0"/>
-          <a:chExt cx="0" cy="0"/>
-        </a:xfrm>
-      </p:grpSpPr>
-      <p:sp>
-        <p:nvSpPr>
-          <p:cNvPr id="145" name="Google Shape;145;g96b79796a2_0_1517:notes"/>
-          <p:cNvSpPr>
-            <a:spLocks noGrp="1" noRot="1" noChangeAspect="1"/>
-          </p:cNvSpPr>
-          <p:nvPr>
-            <p:ph type="sldImg" idx="2"/>
-          </p:nvPr>
-        </p:nvSpPr>
-        <p:spPr>
-          <a:xfrm>
-            <a:off x="381300" y="685800"/>
-            <a:ext cx="6096000" cy="3429000"/>
-          </a:xfrm>
-          <a:custGeom>
-            <a:avLst/>
-            <a:gdLst/>
-            <a:ahLst/>
-            <a:cxnLst/>
-            <a:rect l="l" t="t" r="r" b="b"/>
-            <a:pathLst>
-              <a:path w="120000" h="120000" extrusionOk="0">
-                <a:moveTo>
-                  <a:pt x="0" y="0"/>
-                </a:moveTo>
-                <a:lnTo>
-                  <a:pt x="120000" y="0"/>
-                </a:lnTo>
-                <a:lnTo>
-                  <a:pt x="120000" y="120000"/>
-                </a:lnTo>
-                <a:lnTo>
-                  <a:pt x="0" y="120000"/>
-                </a:lnTo>
-                <a:close/>
-              </a:path>
-            </a:pathLst>
-          </a:custGeom>
-        </p:spPr>
-      </p:sp>
-      <p:sp>
-        <p:nvSpPr>
-          <p:cNvPr id="146" name="Google Shape;146;g96b79796a2_0_1517:notes"/>
-          <p:cNvSpPr txBox="1">
-            <a:spLocks noGrp="1"/>
-          </p:cNvSpPr>
-          <p:nvPr>
-            <p:ph type="body" idx="1"/>
-          </p:nvPr>
-        </p:nvSpPr>
-        <p:spPr>
-          <a:xfrm>
-            <a:off x="685800" y="4343400"/>
-            <a:ext cx="5486400" cy="4114800"/>
-          </a:xfrm>
-          <a:prstGeom prst="rect">
-            <a:avLst/>
-          </a:prstGeom>
-        </p:spPr>
-        <p:txBody>
-          <a:bodyPr spcFirstLastPara="1" wrap="square" lIns="91425" tIns="91425" rIns="91425" bIns="91425" anchor="t" anchorCtr="0">
-            <a:noAutofit/>
-          </a:bodyPr>
-          <a:lstStyle/>
+          <a:p>
+            <a:pPr lvl="0"/>
+            <a:r>
+              <a:rPr lang="pl-PL" sz="1100" b="1" i="0" u="none" strike="noStrike" cap="none" dirty="0">
+                <a:solidFill>
+                  <a:srgbClr val="000000"/>
+                </a:solidFill>
+                <a:effectLst/>
+                <a:latin typeface="Arial"/>
+                <a:ea typeface="Arial"/>
+                <a:cs typeface="Arial"/>
+                <a:sym typeface="Arial"/>
+              </a:rPr>
+              <a:t>tak na koniec</a:t>
+            </a:r>
+            <a:endParaRPr lang="en-PL" sz="1100" b="0" i="0" u="none" strike="noStrike" cap="none" dirty="0">
+              <a:solidFill>
+                <a:srgbClr val="000000"/>
+              </a:solidFill>
+              <a:effectLst/>
+              <a:latin typeface="Arial"/>
+              <a:ea typeface="Arial"/>
+              <a:cs typeface="Arial"/>
+              <a:sym typeface="Arial"/>
+            </a:endParaRPr>
+          </a:p>
+          <a:p>
+            <a:r>
+              <a:rPr lang="pl-PL" sz="1100" b="0" i="0" u="none" strike="noStrike" cap="none" dirty="0">
+                <a:solidFill>
+                  <a:srgbClr val="000000"/>
+                </a:solidFill>
+                <a:effectLst/>
+                <a:latin typeface="Arial"/>
+                <a:ea typeface="Arial"/>
+                <a:cs typeface="Arial"/>
+                <a:sym typeface="Arial"/>
+              </a:rPr>
+              <a:t>- całość zajęć na Zoomie + kontaktujemy się na </a:t>
+            </a:r>
+            <a:r>
+              <a:rPr lang="pl-PL" sz="1100" b="0" i="0" u="none" strike="noStrike" cap="none" dirty="0" err="1">
+                <a:solidFill>
+                  <a:srgbClr val="000000"/>
+                </a:solidFill>
+                <a:effectLst/>
+                <a:latin typeface="Arial"/>
+                <a:ea typeface="Arial"/>
+                <a:cs typeface="Arial"/>
+                <a:sym typeface="Arial"/>
+              </a:rPr>
+              <a:t>Slacku</a:t>
+            </a:r>
+            <a:r>
+              <a:rPr lang="pl-PL" sz="1100" b="0" i="0" u="none" strike="noStrike" cap="none" dirty="0">
+                <a:solidFill>
+                  <a:srgbClr val="000000"/>
+                </a:solidFill>
+                <a:effectLst/>
+                <a:latin typeface="Arial"/>
+                <a:ea typeface="Arial"/>
+                <a:cs typeface="Arial"/>
+                <a:sym typeface="Arial"/>
+              </a:rPr>
+              <a:t> – nie potrzebujecie żadnych płatnych wersji;</a:t>
+            </a:r>
+            <a:endParaRPr lang="en-PL" sz="1100" b="0" i="0" u="none" strike="noStrike" cap="none" dirty="0">
+              <a:solidFill>
+                <a:srgbClr val="000000"/>
+              </a:solidFill>
+              <a:effectLst/>
+              <a:latin typeface="Arial"/>
+              <a:ea typeface="Arial"/>
+              <a:cs typeface="Arial"/>
+              <a:sym typeface="Arial"/>
+            </a:endParaRPr>
+          </a:p>
+          <a:p>
+            <a:r>
+              <a:rPr lang="pl-PL" sz="1100" b="0" i="0" u="none" strike="noStrike" cap="none" dirty="0">
+                <a:solidFill>
+                  <a:srgbClr val="000000"/>
+                </a:solidFill>
+                <a:effectLst/>
+                <a:latin typeface="Arial"/>
+                <a:ea typeface="Arial"/>
+                <a:cs typeface="Arial"/>
+                <a:sym typeface="Arial"/>
+              </a:rPr>
+              <a:t>- w kolejnej części kursu będziemy wykorzystywać Visual Studio </a:t>
+            </a:r>
+            <a:r>
+              <a:rPr lang="pl-PL" sz="1100" b="0" i="0" u="none" strike="noStrike" cap="none" dirty="0" err="1">
+                <a:solidFill>
+                  <a:srgbClr val="000000"/>
+                </a:solidFill>
+                <a:effectLst/>
+                <a:latin typeface="Arial"/>
+                <a:ea typeface="Arial"/>
+                <a:cs typeface="Arial"/>
+                <a:sym typeface="Arial"/>
+              </a:rPr>
+              <a:t>Code</a:t>
+            </a:r>
+            <a:r>
+              <a:rPr lang="pl-PL" sz="1100" b="0" i="0" u="none" strike="noStrike" cap="none" dirty="0">
+                <a:solidFill>
+                  <a:srgbClr val="000000"/>
+                </a:solidFill>
+                <a:effectLst/>
+                <a:latin typeface="Arial"/>
+                <a:ea typeface="Arial"/>
+                <a:cs typeface="Arial"/>
+                <a:sym typeface="Arial"/>
+              </a:rPr>
+              <a:t> (m.in. web, dostaliście krótki </a:t>
+            </a:r>
+            <a:r>
+              <a:rPr lang="pl-PL" sz="1100" b="0" i="0" u="none" strike="noStrike" cap="none" dirty="0" err="1">
+                <a:solidFill>
+                  <a:srgbClr val="000000"/>
+                </a:solidFill>
+                <a:effectLst/>
+                <a:latin typeface="Arial"/>
+                <a:ea typeface="Arial"/>
+                <a:cs typeface="Arial"/>
+                <a:sym typeface="Arial"/>
+              </a:rPr>
+              <a:t>prework</a:t>
+            </a:r>
+            <a:r>
+              <a:rPr lang="pl-PL" sz="1100" b="0" i="0" u="none" strike="noStrike" cap="none" dirty="0">
+                <a:solidFill>
+                  <a:srgbClr val="000000"/>
+                </a:solidFill>
+                <a:effectLst/>
+                <a:latin typeface="Arial"/>
+                <a:ea typeface="Arial"/>
+                <a:cs typeface="Arial"/>
+                <a:sym typeface="Arial"/>
+              </a:rPr>
+              <a:t>);</a:t>
+            </a:r>
+            <a:endParaRPr lang="en-PL" sz="1100" b="0" i="0" u="none" strike="noStrike" cap="none" dirty="0">
+              <a:solidFill>
+                <a:srgbClr val="000000"/>
+              </a:solidFill>
+              <a:effectLst/>
+              <a:latin typeface="Arial"/>
+              <a:ea typeface="Arial"/>
+              <a:cs typeface="Arial"/>
+              <a:sym typeface="Arial"/>
+            </a:endParaRPr>
+          </a:p>
+          <a:p>
+            <a:r>
+              <a:rPr lang="pl-PL" sz="1100" b="0" i="0" u="none" strike="noStrike" cap="none" dirty="0">
+                <a:solidFill>
+                  <a:srgbClr val="000000"/>
+                </a:solidFill>
+                <a:effectLst/>
+                <a:latin typeface="Arial"/>
+                <a:ea typeface="Arial"/>
+                <a:cs typeface="Arial"/>
+                <a:sym typeface="Arial"/>
+              </a:rPr>
+              <a:t>W kolejnej kolejnej części kursu również </a:t>
+            </a:r>
+            <a:r>
+              <a:rPr lang="pl-PL" sz="1100" b="0" i="0" u="none" strike="noStrike" cap="none" dirty="0" err="1">
+                <a:solidFill>
+                  <a:srgbClr val="000000"/>
+                </a:solidFill>
+                <a:effectLst/>
+                <a:latin typeface="Arial"/>
+                <a:ea typeface="Arial"/>
+                <a:cs typeface="Arial"/>
+                <a:sym typeface="Arial"/>
+              </a:rPr>
+              <a:t>pyCharm</a:t>
+            </a:r>
+            <a:r>
+              <a:rPr lang="pl-PL" sz="1100" b="0" i="0" u="none" strike="noStrike" cap="none" dirty="0">
+                <a:solidFill>
+                  <a:srgbClr val="000000"/>
+                </a:solidFill>
+                <a:effectLst/>
+                <a:latin typeface="Arial"/>
+                <a:ea typeface="Arial"/>
+                <a:cs typeface="Arial"/>
+                <a:sym typeface="Arial"/>
+              </a:rPr>
+              <a:t> – t</a:t>
+            </a:r>
+            <a:r>
+              <a:rPr lang="pl-PL" sz="1100" b="1" i="0" u="none" strike="noStrike" cap="none" dirty="0">
+                <a:solidFill>
+                  <a:srgbClr val="000000"/>
+                </a:solidFill>
+                <a:effectLst/>
+                <a:latin typeface="Arial"/>
+                <a:ea typeface="Arial"/>
+                <a:cs typeface="Arial"/>
+                <a:sym typeface="Arial"/>
+              </a:rPr>
+              <a:t>utaj dostaniecie od nas bezpłatne licencje;</a:t>
+            </a:r>
+            <a:endParaRPr lang="en-PL" sz="1100" b="0" i="0" u="none" strike="noStrike" cap="none" dirty="0">
+              <a:solidFill>
+                <a:srgbClr val="000000"/>
+              </a:solidFill>
+              <a:effectLst/>
+              <a:latin typeface="Arial"/>
+              <a:ea typeface="Arial"/>
+              <a:cs typeface="Arial"/>
+              <a:sym typeface="Arial"/>
+            </a:endParaRPr>
+          </a:p>
           <a:p>
             <a:pPr marL="0" lvl="0" indent="0" algn="l" rtl="0">
               <a:spcBef>
@@ -1452,7 +3990,7 @@
               </a:spcAft>
               <a:buNone/>
             </a:pPr>
-            <a:endParaRPr/>
+            <a:endParaRPr dirty="0"/>
           </a:p>
         </p:txBody>
       </p:sp>
@@ -8494,33 +11032,6 @@
           <a:chExt cx="0" cy="0"/>
         </a:xfrm>
       </p:grpSpPr>
-      <p:pic>
-        <p:nvPicPr>
-          <p:cNvPr id="115" name="Google Shape;115;p16"/>
-          <p:cNvPicPr preferRelativeResize="0"/>
-          <p:nvPr/>
-        </p:nvPicPr>
-        <p:blipFill>
-          <a:blip r:embed="rId3"/>
-          <a:srcRect/>
-          <a:stretch/>
-        </p:blipFill>
-        <p:spPr>
-          <a:xfrm>
-            <a:off x="1146806" y="1045375"/>
-            <a:ext cx="5333113" cy="3768649"/>
-          </a:xfrm>
-          <a:prstGeom prst="rect">
-            <a:avLst/>
-          </a:prstGeom>
-          <a:solidFill>
-            <a:schemeClr val="tx1"/>
-          </a:solidFill>
-          <a:ln>
-            <a:noFill/>
-          </a:ln>
-        </p:spPr>
-      </p:pic>
       <p:sp>
         <p:nvSpPr>
           <p:cNvPr id="116" name="Google Shape;116;p16"/>
@@ -8556,7 +11067,7 @@
               <a:buNone/>
             </a:pPr>
             <a:r>
-              <a:rPr lang="pl" sz="2000">
+              <a:rPr lang="pl" sz="2000" dirty="0">
                 <a:solidFill>
                   <a:srgbClr val="FFFFFF"/>
                 </a:solidFill>
@@ -8567,7 +11078,7 @@
               </a:rPr>
               <a:t>Harmonogram zajęć</a:t>
             </a:r>
-            <a:endParaRPr sz="2000">
+            <a:endParaRPr sz="2000" dirty="0">
               <a:solidFill>
                 <a:srgbClr val="FFFFFF"/>
               </a:solidFill>
@@ -8586,7 +11097,7 @@
           <p:nvPr/>
         </p:nvPicPr>
         <p:blipFill>
-          <a:blip r:embed="rId4">
+          <a:blip r:embed="rId3">
             <a:alphaModFix/>
           </a:blip>
           <a:stretch>
@@ -8793,6 +11304,36 @@
           </a:p>
         </p:txBody>
       </p:sp>
+      <p:pic>
+        <p:nvPicPr>
+          <p:cNvPr id="3" name="Obraz 2">
+            <a:extLst>
+              <a:ext uri="{FF2B5EF4-FFF2-40B4-BE49-F238E27FC236}">
+                <a16:creationId xmlns:a16="http://schemas.microsoft.com/office/drawing/2014/main" id="{785DF55D-BE0C-9A45-A753-16C4C552A6A3}"/>
+              </a:ext>
+            </a:extLst>
+          </p:cNvPr>
+          <p:cNvPicPr>
+            <a:picLocks noChangeAspect="1"/>
+          </p:cNvPicPr>
+          <p:nvPr/>
+        </p:nvPicPr>
+        <p:blipFill>
+          <a:blip r:embed="rId4"/>
+          <a:stretch>
+            <a:fillRect/>
+          </a:stretch>
+        </p:blipFill>
+        <p:spPr>
+          <a:xfrm>
+            <a:off x="795344" y="896645"/>
+            <a:ext cx="5913778" cy="3932808"/>
+          </a:xfrm>
+          <a:prstGeom prst="rect">
+            <a:avLst/>
+          </a:prstGeom>
+        </p:spPr>
+      </p:pic>
     </p:spTree>
   </p:cSld>
   <p:clrMapOvr>
@@ -9319,6 +11860,501 @@
   <p:cSld>
     <p:spTree>
       <p:nvGrpSpPr>
+        <p:cNvPr id="1" name="Shape 122"/>
+        <p:cNvGrpSpPr/>
+        <p:nvPr/>
+      </p:nvGrpSpPr>
+      <p:grpSpPr>
+        <a:xfrm>
+          <a:off x="0" y="0"/>
+          <a:ext cx="0" cy="0"/>
+          <a:chOff x="0" y="0"/>
+          <a:chExt cx="0" cy="0"/>
+        </a:xfrm>
+      </p:grpSpPr>
+      <p:pic>
+        <p:nvPicPr>
+          <p:cNvPr id="123" name="Google Shape;123;p17"/>
+          <p:cNvPicPr preferRelativeResize="0"/>
+          <p:nvPr/>
+        </p:nvPicPr>
+        <p:blipFill>
+          <a:blip r:embed="rId3">
+            <a:alphaModFix/>
+          </a:blip>
+          <a:stretch>
+            <a:fillRect/>
+          </a:stretch>
+        </p:blipFill>
+        <p:spPr>
+          <a:xfrm>
+            <a:off x="7490025" y="-10"/>
+            <a:ext cx="1060075" cy="667275"/>
+          </a:xfrm>
+          <a:prstGeom prst="rect">
+            <a:avLst/>
+          </a:prstGeom>
+          <a:noFill/>
+          <a:ln>
+            <a:noFill/>
+          </a:ln>
+        </p:spPr>
+      </p:pic>
+      <p:sp>
+        <p:nvSpPr>
+          <p:cNvPr id="3" name="Podtytuł 2">
+            <a:extLst>
+              <a:ext uri="{FF2B5EF4-FFF2-40B4-BE49-F238E27FC236}">
+                <a16:creationId xmlns:a16="http://schemas.microsoft.com/office/drawing/2014/main" id="{15121625-C0CC-7740-883D-F0B26682406D}"/>
+              </a:ext>
+            </a:extLst>
+          </p:cNvPr>
+          <p:cNvSpPr>
+            <a:spLocks noGrp="1"/>
+          </p:cNvSpPr>
+          <p:nvPr>
+            <p:ph type="subTitle" idx="1"/>
+          </p:nvPr>
+        </p:nvSpPr>
+        <p:spPr/>
+        <p:txBody>
+          <a:bodyPr/>
+          <a:lstStyle/>
+          <a:p>
+            <a:endParaRPr lang="pl-PL"/>
+          </a:p>
+        </p:txBody>
+      </p:sp>
+      <p:sp>
+        <p:nvSpPr>
+          <p:cNvPr id="5" name="Podtytuł 4">
+            <a:extLst>
+              <a:ext uri="{FF2B5EF4-FFF2-40B4-BE49-F238E27FC236}">
+                <a16:creationId xmlns:a16="http://schemas.microsoft.com/office/drawing/2014/main" id="{5F09D92F-8876-414E-9C0E-934D8D432937}"/>
+              </a:ext>
+            </a:extLst>
+          </p:cNvPr>
+          <p:cNvSpPr>
+            <a:spLocks noGrp="1"/>
+          </p:cNvSpPr>
+          <p:nvPr>
+            <p:ph type="subTitle" idx="1"/>
+          </p:nvPr>
+        </p:nvSpPr>
+        <p:spPr/>
+        <p:txBody>
+          <a:bodyPr/>
+          <a:lstStyle/>
+          <a:p>
+            <a:endParaRPr lang="pl-PL"/>
+          </a:p>
+        </p:txBody>
+      </p:sp>
+      <p:sp>
+        <p:nvSpPr>
+          <p:cNvPr id="7" name="Podtytuł 6">
+            <a:extLst>
+              <a:ext uri="{FF2B5EF4-FFF2-40B4-BE49-F238E27FC236}">
+                <a16:creationId xmlns:a16="http://schemas.microsoft.com/office/drawing/2014/main" id="{4332AD41-04B1-BB45-A14A-D256280D2D9E}"/>
+              </a:ext>
+            </a:extLst>
+          </p:cNvPr>
+          <p:cNvSpPr>
+            <a:spLocks noGrp="1"/>
+          </p:cNvSpPr>
+          <p:nvPr>
+            <p:ph type="subTitle" idx="1"/>
+          </p:nvPr>
+        </p:nvSpPr>
+        <p:spPr/>
+        <p:txBody>
+          <a:bodyPr/>
+          <a:lstStyle/>
+          <a:p>
+            <a:endParaRPr lang="pl-PL"/>
+          </a:p>
+        </p:txBody>
+      </p:sp>
+      <p:sp>
+        <p:nvSpPr>
+          <p:cNvPr id="13" name="Podtytuł 12">
+            <a:extLst>
+              <a:ext uri="{FF2B5EF4-FFF2-40B4-BE49-F238E27FC236}">
+                <a16:creationId xmlns:a16="http://schemas.microsoft.com/office/drawing/2014/main" id="{2F27A520-2A15-7749-BF8F-02436D9F171C}"/>
+              </a:ext>
+            </a:extLst>
+          </p:cNvPr>
+          <p:cNvSpPr>
+            <a:spLocks noGrp="1"/>
+          </p:cNvSpPr>
+          <p:nvPr>
+            <p:ph type="subTitle" idx="1"/>
+          </p:nvPr>
+        </p:nvSpPr>
+        <p:spPr/>
+        <p:txBody>
+          <a:bodyPr/>
+          <a:lstStyle/>
+          <a:p>
+            <a:endParaRPr lang="pl-PL"/>
+          </a:p>
+        </p:txBody>
+      </p:sp>
+      <p:pic>
+        <p:nvPicPr>
+          <p:cNvPr id="15" name="Obraz 14">
+            <a:extLst>
+              <a:ext uri="{FF2B5EF4-FFF2-40B4-BE49-F238E27FC236}">
+                <a16:creationId xmlns:a16="http://schemas.microsoft.com/office/drawing/2014/main" id="{568FBA60-D76D-9E43-AC56-4459971A2F48}"/>
+              </a:ext>
+            </a:extLst>
+          </p:cNvPr>
+          <p:cNvPicPr>
+            <a:picLocks noChangeAspect="1"/>
+          </p:cNvPicPr>
+          <p:nvPr/>
+        </p:nvPicPr>
+        <p:blipFill>
+          <a:blip r:embed="rId4"/>
+          <a:stretch>
+            <a:fillRect/>
+          </a:stretch>
+        </p:blipFill>
+        <p:spPr>
+          <a:xfrm>
+            <a:off x="311700" y="938034"/>
+            <a:ext cx="7448365" cy="3792181"/>
+          </a:xfrm>
+          <a:prstGeom prst="rect">
+            <a:avLst/>
+          </a:prstGeom>
+        </p:spPr>
+      </p:pic>
+      <p:sp>
+        <p:nvSpPr>
+          <p:cNvPr id="27" name="Google Shape;116;p16">
+            <a:extLst>
+              <a:ext uri="{FF2B5EF4-FFF2-40B4-BE49-F238E27FC236}">
+                <a16:creationId xmlns:a16="http://schemas.microsoft.com/office/drawing/2014/main" id="{1621B73C-8DFB-7E44-968A-6111EAE0E640}"/>
+              </a:ext>
+            </a:extLst>
+          </p:cNvPr>
+          <p:cNvSpPr txBox="1">
+            <a:spLocks/>
+          </p:cNvSpPr>
+          <p:nvPr/>
+        </p:nvSpPr>
+        <p:spPr>
+          <a:xfrm>
+            <a:off x="-12" y="252150"/>
+            <a:ext cx="3478200" cy="498600"/>
+          </a:xfrm>
+          <a:prstGeom prst="rect">
+            <a:avLst/>
+          </a:prstGeom>
+          <a:noFill/>
+          <a:ln>
+            <a:noFill/>
+          </a:ln>
+        </p:spPr>
+        <p:txBody>
+          <a:bodyPr spcFirstLastPara="1" wrap="square" lIns="91425" tIns="91425" rIns="91425" bIns="91425" anchor="t" anchorCtr="0">
+            <a:noAutofit/>
+          </a:bodyPr>
+          <a:lstStyle>
+            <a:defPPr marR="0" lvl="0" algn="l" rtl="0">
+              <a:lnSpc>
+                <a:spcPct val="100000"/>
+              </a:lnSpc>
+              <a:spcBef>
+                <a:spcPts val="0"/>
+              </a:spcBef>
+              <a:spcAft>
+                <a:spcPts val="0"/>
+              </a:spcAft>
+            </a:defPPr>
+            <a:lvl1pPr marL="457200" marR="0" lvl="0" indent="-342900" algn="ctr" rtl="0">
+              <a:lnSpc>
+                <a:spcPct val="100000"/>
+              </a:lnSpc>
+              <a:spcBef>
+                <a:spcPts val="0"/>
+              </a:spcBef>
+              <a:spcAft>
+                <a:spcPts val="0"/>
+              </a:spcAft>
+              <a:buClr>
+                <a:schemeClr val="lt2"/>
+              </a:buClr>
+              <a:buSzPts val="2800"/>
+              <a:buFont typeface="Arial"/>
+              <a:buNone/>
+              <a:defRPr sz="2800" b="0" i="0" u="none" strike="noStrike" cap="none">
+                <a:solidFill>
+                  <a:schemeClr val="lt2"/>
+                </a:solidFill>
+                <a:latin typeface="Arial"/>
+                <a:ea typeface="Arial"/>
+                <a:cs typeface="Arial"/>
+                <a:sym typeface="Arial"/>
+              </a:defRPr>
+            </a:lvl1pPr>
+            <a:lvl2pPr marL="914400" marR="0" lvl="1" indent="-317500" algn="ctr" rtl="0">
+              <a:lnSpc>
+                <a:spcPct val="100000"/>
+              </a:lnSpc>
+              <a:spcBef>
+                <a:spcPts val="0"/>
+              </a:spcBef>
+              <a:spcAft>
+                <a:spcPts val="0"/>
+              </a:spcAft>
+              <a:buClr>
+                <a:schemeClr val="lt2"/>
+              </a:buClr>
+              <a:buSzPts val="2800"/>
+              <a:buFont typeface="Arial"/>
+              <a:buNone/>
+              <a:defRPr sz="2800" b="0" i="0" u="none" strike="noStrike" cap="none">
+                <a:solidFill>
+                  <a:schemeClr val="lt2"/>
+                </a:solidFill>
+                <a:latin typeface="Arial"/>
+                <a:ea typeface="Arial"/>
+                <a:cs typeface="Arial"/>
+                <a:sym typeface="Arial"/>
+              </a:defRPr>
+            </a:lvl2pPr>
+            <a:lvl3pPr marL="1371600" marR="0" lvl="2" indent="-317500" algn="ctr" rtl="0">
+              <a:lnSpc>
+                <a:spcPct val="100000"/>
+              </a:lnSpc>
+              <a:spcBef>
+                <a:spcPts val="0"/>
+              </a:spcBef>
+              <a:spcAft>
+                <a:spcPts val="0"/>
+              </a:spcAft>
+              <a:buClr>
+                <a:schemeClr val="lt2"/>
+              </a:buClr>
+              <a:buSzPts val="2800"/>
+              <a:buFont typeface="Arial"/>
+              <a:buNone/>
+              <a:defRPr sz="2800" b="0" i="0" u="none" strike="noStrike" cap="none">
+                <a:solidFill>
+                  <a:schemeClr val="lt2"/>
+                </a:solidFill>
+                <a:latin typeface="Arial"/>
+                <a:ea typeface="Arial"/>
+                <a:cs typeface="Arial"/>
+                <a:sym typeface="Arial"/>
+              </a:defRPr>
+            </a:lvl3pPr>
+            <a:lvl4pPr marL="1828800" marR="0" lvl="3" indent="-317500" algn="ctr" rtl="0">
+              <a:lnSpc>
+                <a:spcPct val="100000"/>
+              </a:lnSpc>
+              <a:spcBef>
+                <a:spcPts val="0"/>
+              </a:spcBef>
+              <a:spcAft>
+                <a:spcPts val="0"/>
+              </a:spcAft>
+              <a:buClr>
+                <a:schemeClr val="lt2"/>
+              </a:buClr>
+              <a:buSzPts val="2800"/>
+              <a:buFont typeface="Arial"/>
+              <a:buNone/>
+              <a:defRPr sz="2800" b="0" i="0" u="none" strike="noStrike" cap="none">
+                <a:solidFill>
+                  <a:schemeClr val="lt2"/>
+                </a:solidFill>
+                <a:latin typeface="Arial"/>
+                <a:ea typeface="Arial"/>
+                <a:cs typeface="Arial"/>
+                <a:sym typeface="Arial"/>
+              </a:defRPr>
+            </a:lvl4pPr>
+            <a:lvl5pPr marL="2286000" marR="0" lvl="4" indent="-317500" algn="ctr" rtl="0">
+              <a:lnSpc>
+                <a:spcPct val="100000"/>
+              </a:lnSpc>
+              <a:spcBef>
+                <a:spcPts val="0"/>
+              </a:spcBef>
+              <a:spcAft>
+                <a:spcPts val="0"/>
+              </a:spcAft>
+              <a:buClr>
+                <a:schemeClr val="lt2"/>
+              </a:buClr>
+              <a:buSzPts val="2800"/>
+              <a:buFont typeface="Arial"/>
+              <a:buNone/>
+              <a:defRPr sz="2800" b="0" i="0" u="none" strike="noStrike" cap="none">
+                <a:solidFill>
+                  <a:schemeClr val="lt2"/>
+                </a:solidFill>
+                <a:latin typeface="Arial"/>
+                <a:ea typeface="Arial"/>
+                <a:cs typeface="Arial"/>
+                <a:sym typeface="Arial"/>
+              </a:defRPr>
+            </a:lvl5pPr>
+            <a:lvl6pPr marL="2743200" marR="0" lvl="5" indent="-317500" algn="ctr" rtl="0">
+              <a:lnSpc>
+                <a:spcPct val="100000"/>
+              </a:lnSpc>
+              <a:spcBef>
+                <a:spcPts val="0"/>
+              </a:spcBef>
+              <a:spcAft>
+                <a:spcPts val="0"/>
+              </a:spcAft>
+              <a:buClr>
+                <a:schemeClr val="lt2"/>
+              </a:buClr>
+              <a:buSzPts val="2800"/>
+              <a:buFont typeface="Arial"/>
+              <a:buNone/>
+              <a:defRPr sz="2800" b="0" i="0" u="none" strike="noStrike" cap="none">
+                <a:solidFill>
+                  <a:schemeClr val="lt2"/>
+                </a:solidFill>
+                <a:latin typeface="Arial"/>
+                <a:ea typeface="Arial"/>
+                <a:cs typeface="Arial"/>
+                <a:sym typeface="Arial"/>
+              </a:defRPr>
+            </a:lvl6pPr>
+            <a:lvl7pPr marL="3200400" marR="0" lvl="6" indent="-317500" algn="ctr" rtl="0">
+              <a:lnSpc>
+                <a:spcPct val="100000"/>
+              </a:lnSpc>
+              <a:spcBef>
+                <a:spcPts val="0"/>
+              </a:spcBef>
+              <a:spcAft>
+                <a:spcPts val="0"/>
+              </a:spcAft>
+              <a:buClr>
+                <a:schemeClr val="lt2"/>
+              </a:buClr>
+              <a:buSzPts val="2800"/>
+              <a:buFont typeface="Arial"/>
+              <a:buNone/>
+              <a:defRPr sz="2800" b="0" i="0" u="none" strike="noStrike" cap="none">
+                <a:solidFill>
+                  <a:schemeClr val="lt2"/>
+                </a:solidFill>
+                <a:latin typeface="Arial"/>
+                <a:ea typeface="Arial"/>
+                <a:cs typeface="Arial"/>
+                <a:sym typeface="Arial"/>
+              </a:defRPr>
+            </a:lvl7pPr>
+            <a:lvl8pPr marL="3657600" marR="0" lvl="7" indent="-317500" algn="ctr" rtl="0">
+              <a:lnSpc>
+                <a:spcPct val="100000"/>
+              </a:lnSpc>
+              <a:spcBef>
+                <a:spcPts val="0"/>
+              </a:spcBef>
+              <a:spcAft>
+                <a:spcPts val="0"/>
+              </a:spcAft>
+              <a:buClr>
+                <a:schemeClr val="lt2"/>
+              </a:buClr>
+              <a:buSzPts val="2800"/>
+              <a:buFont typeface="Arial"/>
+              <a:buNone/>
+              <a:defRPr sz="2800" b="0" i="0" u="none" strike="noStrike" cap="none">
+                <a:solidFill>
+                  <a:schemeClr val="lt2"/>
+                </a:solidFill>
+                <a:latin typeface="Arial"/>
+                <a:ea typeface="Arial"/>
+                <a:cs typeface="Arial"/>
+                <a:sym typeface="Arial"/>
+              </a:defRPr>
+            </a:lvl8pPr>
+            <a:lvl9pPr marL="4114800" marR="0" lvl="8" indent="-317500" algn="ctr" rtl="0">
+              <a:lnSpc>
+                <a:spcPct val="100000"/>
+              </a:lnSpc>
+              <a:spcBef>
+                <a:spcPts val="0"/>
+              </a:spcBef>
+              <a:spcAft>
+                <a:spcPts val="0"/>
+              </a:spcAft>
+              <a:buClr>
+                <a:schemeClr val="lt2"/>
+              </a:buClr>
+              <a:buSzPts val="2800"/>
+              <a:buFont typeface="Arial"/>
+              <a:buNone/>
+              <a:defRPr sz="2800" b="0" i="0" u="none" strike="noStrike" cap="none">
+                <a:solidFill>
+                  <a:schemeClr val="lt2"/>
+                </a:solidFill>
+                <a:latin typeface="Arial"/>
+                <a:ea typeface="Arial"/>
+                <a:cs typeface="Arial"/>
+                <a:sym typeface="Arial"/>
+              </a:defRPr>
+            </a:lvl9pPr>
+          </a:lstStyle>
+          <a:p>
+            <a:pPr marL="0" indent="0"/>
+            <a:r>
+              <a:rPr lang="pl-PL" sz="2000" dirty="0" err="1">
+                <a:solidFill>
+                  <a:srgbClr val="FFFFFF"/>
+                </a:solidFill>
+                <a:latin typeface="Montserrat Medium"/>
+                <a:ea typeface="Montserrat Medium"/>
+                <a:cs typeface="Montserrat Medium"/>
+                <a:sym typeface="Montserrat Medium"/>
+              </a:rPr>
+              <a:t>Slack</a:t>
+            </a:r>
+            <a:r>
+              <a:rPr lang="pl-PL" sz="2000" dirty="0">
+                <a:solidFill>
+                  <a:srgbClr val="FFFFFF"/>
+                </a:solidFill>
+                <a:latin typeface="Montserrat Medium"/>
+                <a:ea typeface="Montserrat Medium"/>
+                <a:cs typeface="Montserrat Medium"/>
+                <a:sym typeface="Montserrat Medium"/>
+              </a:rPr>
+              <a:t> i kontakt z nami</a:t>
+            </a:r>
+          </a:p>
+        </p:txBody>
+      </p:sp>
+    </p:spTree>
+    <p:extLst>
+      <p:ext uri="{BB962C8B-B14F-4D97-AF65-F5344CB8AC3E}">
+        <p14:creationId xmlns:p14="http://schemas.microsoft.com/office/powerpoint/2010/main" val="416733928"/>
+      </p:ext>
+    </p:extLst>
+  </p:cSld>
+  <p:clrMapOvr>
+    <a:masterClrMapping/>
+  </p:clrMapOvr>
+</p:sld>
+</file>
+
+<file path=ppt/slides/slide7.xml><?xml version="1.0" encoding="utf-8"?>
+<p:sld xmlns:a="http://schemas.openxmlformats.org/drawingml/2006/main" xmlns:r="http://schemas.openxmlformats.org/officeDocument/2006/relationships" xmlns:p="http://schemas.openxmlformats.org/presentationml/2006/main">
+  <p:cSld>
+    <p:spTree>
+      <p:nvGrpSpPr>
         <p:cNvPr id="1" name="Shape 137"/>
         <p:cNvGrpSpPr/>
         <p:nvPr/>
@@ -9529,117 +12565,6 @@
           </a:ln>
         </p:spPr>
       </p:pic>
-    </p:spTree>
-  </p:cSld>
-  <p:clrMapOvr>
-    <a:masterClrMapping/>
-  </p:clrMapOvr>
-</p:sld>
-</file>
-
-<file path=ppt/slides/slide7.xml><?xml version="1.0" encoding="utf-8"?>
-<p:sld xmlns:a="http://schemas.openxmlformats.org/drawingml/2006/main" xmlns:r="http://schemas.openxmlformats.org/officeDocument/2006/relationships" xmlns:p="http://schemas.openxmlformats.org/presentationml/2006/main">
-  <p:cSld>
-    <p:spTree>
-      <p:nvGrpSpPr>
-        <p:cNvPr id="1" name="Shape 147"/>
-        <p:cNvGrpSpPr/>
-        <p:nvPr/>
-      </p:nvGrpSpPr>
-      <p:grpSpPr>
-        <a:xfrm>
-          <a:off x="0" y="0"/>
-          <a:ext cx="0" cy="0"/>
-          <a:chOff x="0" y="0"/>
-          <a:chExt cx="0" cy="0"/>
-        </a:xfrm>
-      </p:grpSpPr>
-      <p:pic>
-        <p:nvPicPr>
-          <p:cNvPr id="148" name="Google Shape;148;p19"/>
-          <p:cNvPicPr preferRelativeResize="0"/>
-          <p:nvPr/>
-        </p:nvPicPr>
-        <p:blipFill>
-          <a:blip r:embed="rId3">
-            <a:alphaModFix/>
-          </a:blip>
-          <a:stretch>
-            <a:fillRect/>
-          </a:stretch>
-        </p:blipFill>
-        <p:spPr>
-          <a:xfrm>
-            <a:off x="2441063" y="1104900"/>
-            <a:ext cx="4261874" cy="2682700"/>
-          </a:xfrm>
-          <a:prstGeom prst="rect">
-            <a:avLst/>
-          </a:prstGeom>
-          <a:noFill/>
-          <a:ln>
-            <a:noFill/>
-          </a:ln>
-        </p:spPr>
-      </p:pic>
-      <p:sp>
-        <p:nvSpPr>
-          <p:cNvPr id="149" name="Google Shape;149;p19"/>
-          <p:cNvSpPr txBox="1">
-            <a:spLocks noGrp="1"/>
-          </p:cNvSpPr>
-          <p:nvPr>
-            <p:ph type="subTitle" idx="1"/>
-          </p:nvPr>
-        </p:nvSpPr>
-        <p:spPr>
-          <a:xfrm>
-            <a:off x="311700" y="4111575"/>
-            <a:ext cx="8520600" cy="792600"/>
-          </a:xfrm>
-          <a:prstGeom prst="rect">
-            <a:avLst/>
-          </a:prstGeom>
-        </p:spPr>
-        <p:txBody>
-          <a:bodyPr spcFirstLastPara="1" wrap="square" lIns="91425" tIns="91425" rIns="91425" bIns="91425" anchor="t" anchorCtr="0">
-            <a:noAutofit/>
-          </a:bodyPr>
-          <a:lstStyle/>
-          <a:p>
-            <a:pPr marL="0" lvl="0" indent="0" algn="ctr" rtl="0">
-              <a:spcBef>
-                <a:spcPts val="0"/>
-              </a:spcBef>
-              <a:spcAft>
-                <a:spcPts val="0"/>
-              </a:spcAft>
-              <a:buNone/>
-            </a:pPr>
-            <a:r>
-              <a:rPr lang="pl" sz="2000">
-                <a:solidFill>
-                  <a:srgbClr val="666666"/>
-                </a:solidFill>
-                <a:latin typeface="Montserrat Medium"/>
-                <a:ea typeface="Montserrat Medium"/>
-                <a:cs typeface="Montserrat Medium"/>
-                <a:sym typeface="Montserrat Medium"/>
-              </a:rPr>
-              <a:t>krakow@codebrainers.pl / (+48) 607-999-696</a:t>
-            </a:r>
-            <a:endParaRPr sz="2000">
-              <a:solidFill>
-                <a:srgbClr val="666666"/>
-              </a:solidFill>
-              <a:latin typeface="Montserrat Medium"/>
-              <a:ea typeface="Montserrat Medium"/>
-              <a:cs typeface="Montserrat Medium"/>
-              <a:sym typeface="Montserrat Medium"/>
-            </a:endParaRPr>
-          </a:p>
-        </p:txBody>
-      </p:sp>
     </p:spTree>
   </p:cSld>
   <p:clrMapOvr>
